--- a/02. Hello World!/02. Hello, World!.pptx
+++ b/02. Hello World!/02. Hello, World!.pptx
@@ -5,29 +5,34 @@
     <p:sldMasterId id="2147483648" r:id="rId1"/>
   </p:sldMasterIdLst>
   <p:notesMasterIdLst>
-    <p:notesMasterId r:id="rId22"/>
+    <p:notesMasterId r:id="rId27"/>
   </p:notesMasterIdLst>
   <p:sldIdLst>
     <p:sldId id="256" r:id="rId2"/>
     <p:sldId id="257" r:id="rId3"/>
-    <p:sldId id="258" r:id="rId4"/>
-    <p:sldId id="259" r:id="rId5"/>
-    <p:sldId id="260" r:id="rId6"/>
-    <p:sldId id="261" r:id="rId7"/>
-    <p:sldId id="262" r:id="rId8"/>
-    <p:sldId id="263" r:id="rId9"/>
-    <p:sldId id="265" r:id="rId10"/>
-    <p:sldId id="264" r:id="rId11"/>
-    <p:sldId id="266" r:id="rId12"/>
-    <p:sldId id="267" r:id="rId13"/>
-    <p:sldId id="269" r:id="rId14"/>
-    <p:sldId id="270" r:id="rId15"/>
-    <p:sldId id="271" r:id="rId16"/>
-    <p:sldId id="272" r:id="rId17"/>
-    <p:sldId id="273" r:id="rId18"/>
-    <p:sldId id="274" r:id="rId19"/>
-    <p:sldId id="275" r:id="rId20"/>
-    <p:sldId id="276" r:id="rId21"/>
+    <p:sldId id="285" r:id="rId4"/>
+    <p:sldId id="258" r:id="rId5"/>
+    <p:sldId id="259" r:id="rId6"/>
+    <p:sldId id="260" r:id="rId7"/>
+    <p:sldId id="261" r:id="rId8"/>
+    <p:sldId id="262" r:id="rId9"/>
+    <p:sldId id="263" r:id="rId10"/>
+    <p:sldId id="282" r:id="rId11"/>
+    <p:sldId id="265" r:id="rId12"/>
+    <p:sldId id="264" r:id="rId13"/>
+    <p:sldId id="281" r:id="rId14"/>
+    <p:sldId id="266" r:id="rId15"/>
+    <p:sldId id="267" r:id="rId16"/>
+    <p:sldId id="277" r:id="rId17"/>
+    <p:sldId id="278" r:id="rId18"/>
+    <p:sldId id="269" r:id="rId19"/>
+    <p:sldId id="270" r:id="rId20"/>
+    <p:sldId id="271" r:id="rId21"/>
+    <p:sldId id="272" r:id="rId22"/>
+    <p:sldId id="273" r:id="rId23"/>
+    <p:sldId id="274" r:id="rId24"/>
+    <p:sldId id="275" r:id="rId25"/>
+    <p:sldId id="280" r:id="rId26"/>
   </p:sldIdLst>
   <p:sldSz cx="12192000" cy="6858000"/>
   <p:notesSz cx="6858000" cy="9144000"/>
@@ -216,7 +221,7 @@
           <a:p>
             <a:fld id="{05C48174-E545-442B-973B-CFD060E5DF1E}" type="datetimeFigureOut">
               <a:rPr lang="en-US" smtClean="0"/>
-              <a:t>9/4/2018</a:t>
+              <a:t>9/19/2018</a:t>
             </a:fld>
             <a:endParaRPr lang="en-US"/>
           </a:p>
@@ -640,7 +645,7 @@
           <a:p>
             <a:fld id="{795FA750-E810-4AD3-9221-27790D7881D7}" type="datetimeFigureOut">
               <a:rPr lang="en-US" smtClean="0"/>
-              <a:t>9/4/2018</a:t>
+              <a:t>9/19/2018</a:t>
             </a:fld>
             <a:endParaRPr lang="en-US"/>
           </a:p>
@@ -953,7 +958,7 @@
           <a:p>
             <a:fld id="{795FA750-E810-4AD3-9221-27790D7881D7}" type="datetimeFigureOut">
               <a:rPr lang="en-US" smtClean="0"/>
-              <a:t>9/4/2018</a:t>
+              <a:t>9/19/2018</a:t>
             </a:fld>
             <a:endParaRPr lang="en-US"/>
           </a:p>
@@ -1242,7 +1247,7 @@
           <a:p>
             <a:fld id="{795FA750-E810-4AD3-9221-27790D7881D7}" type="datetimeFigureOut">
               <a:rPr lang="en-US" smtClean="0"/>
-              <a:t>9/4/2018</a:t>
+              <a:t>9/19/2018</a:t>
             </a:fld>
             <a:endParaRPr lang="en-US"/>
           </a:p>
@@ -1442,7 +1447,7 @@
           <a:p>
             <a:fld id="{795FA750-E810-4AD3-9221-27790D7881D7}" type="datetimeFigureOut">
               <a:rPr lang="en-US" smtClean="0"/>
-              <a:t>9/4/2018</a:t>
+              <a:t>9/19/2018</a:t>
             </a:fld>
             <a:endParaRPr lang="en-US"/>
           </a:p>
@@ -1652,7 +1657,7 @@
           <a:p>
             <a:fld id="{795FA750-E810-4AD3-9221-27790D7881D7}" type="datetimeFigureOut">
               <a:rPr lang="en-US" smtClean="0"/>
-              <a:t>9/4/2018</a:t>
+              <a:t>9/19/2018</a:t>
             </a:fld>
             <a:endParaRPr lang="en-US"/>
           </a:p>
@@ -1873,7 +1878,7 @@
           <a:p>
             <a:fld id="{795FA750-E810-4AD3-9221-27790D7881D7}" type="datetimeFigureOut">
               <a:rPr lang="en-US" smtClean="0"/>
-              <a:t>9/4/2018</a:t>
+              <a:t>9/19/2018</a:t>
             </a:fld>
             <a:endParaRPr lang="en-US"/>
           </a:p>
@@ -2070,7 +2075,7 @@
           <a:p>
             <a:fld id="{795FA750-E810-4AD3-9221-27790D7881D7}" type="datetimeFigureOut">
               <a:rPr lang="en-US" smtClean="0"/>
-              <a:t>9/4/2018</a:t>
+              <a:t>9/19/2018</a:t>
             </a:fld>
             <a:endParaRPr lang="en-US"/>
           </a:p>
@@ -2346,7 +2351,7 @@
           <a:p>
             <a:fld id="{795FA750-E810-4AD3-9221-27790D7881D7}" type="datetimeFigureOut">
               <a:rPr lang="en-US" smtClean="0"/>
-              <a:t>9/4/2018</a:t>
+              <a:t>9/19/2018</a:t>
             </a:fld>
             <a:endParaRPr lang="en-US"/>
           </a:p>
@@ -2614,7 +2619,7 @@
           <a:p>
             <a:fld id="{795FA750-E810-4AD3-9221-27790D7881D7}" type="datetimeFigureOut">
               <a:rPr lang="en-US" smtClean="0"/>
-              <a:t>9/4/2018</a:t>
+              <a:t>9/19/2018</a:t>
             </a:fld>
             <a:endParaRPr lang="en-US"/>
           </a:p>
@@ -3029,7 +3034,7 @@
           <a:p>
             <a:fld id="{795FA750-E810-4AD3-9221-27790D7881D7}" type="datetimeFigureOut">
               <a:rPr lang="en-US" smtClean="0"/>
-              <a:t>9/4/2018</a:t>
+              <a:t>9/19/2018</a:t>
             </a:fld>
             <a:endParaRPr lang="en-US"/>
           </a:p>
@@ -3171,7 +3176,7 @@
           <a:p>
             <a:fld id="{795FA750-E810-4AD3-9221-27790D7881D7}" type="datetimeFigureOut">
               <a:rPr lang="en-US" smtClean="0"/>
-              <a:t>9/4/2018</a:t>
+              <a:t>9/19/2018</a:t>
             </a:fld>
             <a:endParaRPr lang="en-US"/>
           </a:p>
@@ -3284,7 +3289,7 @@
           <a:p>
             <a:fld id="{795FA750-E810-4AD3-9221-27790D7881D7}" type="datetimeFigureOut">
               <a:rPr lang="en-US" smtClean="0"/>
-              <a:t>9/4/2018</a:t>
+              <a:t>9/19/2018</a:t>
             </a:fld>
             <a:endParaRPr lang="en-US"/>
           </a:p>
@@ -3397,7 +3402,7 @@
           <a:p>
             <a:fld id="{795FA750-E810-4AD3-9221-27790D7881D7}" type="datetimeFigureOut">
               <a:rPr lang="en-US" smtClean="0"/>
-              <a:t>9/4/2018</a:t>
+              <a:t>9/19/2018</a:t>
             </a:fld>
             <a:endParaRPr lang="en-US"/>
           </a:p>
@@ -3684,7 +3689,7 @@
             <a:fld id="{795FA750-E810-4AD3-9221-27790D7881D7}" type="datetimeFigureOut">
               <a:rPr lang="en-US" smtClean="0"/>
               <a:pPr/>
-              <a:t>9/4/2018</a:t>
+              <a:t>9/19/2018</a:t>
             </a:fld>
             <a:endParaRPr lang="en-US"/>
           </a:p>
@@ -4194,268 +4199,10 @@
           <a:chExt cx="0" cy="0"/>
         </a:xfrm>
       </p:grpSpPr>
-      <p:sp>
-        <p:nvSpPr>
-          <p:cNvPr id="3" name="직사각형 2">
-            <a:extLst>
-              <a:ext uri="{FF2B5EF4-FFF2-40B4-BE49-F238E27FC236}">
-                <a16:creationId xmlns:a16="http://schemas.microsoft.com/office/drawing/2014/main" id="{3F072DA2-7EA1-4080-A571-F9A91C29694E}"/>
-              </a:ext>
-            </a:extLst>
-          </p:cNvPr>
-          <p:cNvSpPr/>
-          <p:nvPr/>
-        </p:nvSpPr>
-        <p:spPr>
-          <a:xfrm>
-            <a:off x="1029629" y="1351508"/>
-            <a:ext cx="10132741" cy="4154984"/>
-          </a:xfrm>
-          <a:prstGeom prst="rect">
-            <a:avLst/>
-          </a:prstGeom>
-        </p:spPr>
-        <p:txBody>
-          <a:bodyPr wrap="square">
-            <a:spAutoFit/>
-          </a:bodyPr>
-          <a:lstStyle/>
-          <a:p>
-            <a:r>
-              <a:rPr lang="en-US" sz="2400" dirty="0">
-                <a:solidFill>
-                  <a:srgbClr val="795E26"/>
-                </a:solidFill>
-                <a:latin typeface="Consolas" panose="020B0609020204030204" pitchFamily="49" charset="0"/>
-              </a:rPr>
-              <a:t>print</a:t>
-            </a:r>
-            <a:r>
-              <a:rPr lang="en-US" sz="2400" dirty="0">
-                <a:solidFill>
-                  <a:srgbClr val="000000"/>
-                </a:solidFill>
-                <a:latin typeface="Consolas" panose="020B0609020204030204" pitchFamily="49" charset="0"/>
-              </a:rPr>
-              <a:t>(</a:t>
-            </a:r>
-            <a:r>
-              <a:rPr lang="en-US" sz="2400" dirty="0">
-                <a:solidFill>
-                  <a:srgbClr val="A31515"/>
-                </a:solidFill>
-                <a:latin typeface="Consolas" panose="020B0609020204030204" pitchFamily="49" charset="0"/>
-              </a:rPr>
-              <a:t>"Hello, World!"</a:t>
-            </a:r>
-            <a:r>
-              <a:rPr lang="en-US" sz="2400" dirty="0">
-                <a:solidFill>
-                  <a:srgbClr val="000000"/>
-                </a:solidFill>
-                <a:latin typeface="Consolas" panose="020B0609020204030204" pitchFamily="49" charset="0"/>
-              </a:rPr>
-              <a:t>)  </a:t>
-            </a:r>
-            <a:r>
-              <a:rPr lang="en-US" sz="2400" dirty="0">
-                <a:solidFill>
-                  <a:srgbClr val="008000"/>
-                </a:solidFill>
-                <a:latin typeface="Consolas" panose="020B0609020204030204" pitchFamily="49" charset="0"/>
-              </a:rPr>
-              <a:t># Note that print is a function</a:t>
-            </a:r>
-            <a:endParaRPr lang="en-US" sz="2400" dirty="0">
-              <a:solidFill>
-                <a:srgbClr val="000000"/>
-              </a:solidFill>
-              <a:latin typeface="Consolas" panose="020B0609020204030204" pitchFamily="49" charset="0"/>
-            </a:endParaRPr>
-          </a:p>
-          <a:p>
-            <a:br>
-              <a:rPr lang="en-US" sz="2400" dirty="0">
-                <a:solidFill>
-                  <a:srgbClr val="000000"/>
-                </a:solidFill>
-                <a:latin typeface="Consolas" panose="020B0609020204030204" pitchFamily="49" charset="0"/>
-              </a:rPr>
-            </a:br>
-            <a:r>
-              <a:rPr lang="en-US" sz="2400" dirty="0">
-                <a:solidFill>
-                  <a:srgbClr val="008000"/>
-                </a:solidFill>
-                <a:latin typeface="Consolas" panose="020B0609020204030204" pitchFamily="49" charset="0"/>
-              </a:rPr>
-              <a:t># Note that print is a function</a:t>
-            </a:r>
-            <a:endParaRPr lang="en-US" sz="2400" dirty="0">
-              <a:solidFill>
-                <a:srgbClr val="000000"/>
-              </a:solidFill>
-              <a:latin typeface="Consolas" panose="020B0609020204030204" pitchFamily="49" charset="0"/>
-            </a:endParaRPr>
-          </a:p>
-          <a:p>
-            <a:r>
-              <a:rPr lang="en-US" sz="2400" dirty="0">
-                <a:solidFill>
-                  <a:srgbClr val="795E26"/>
-                </a:solidFill>
-                <a:latin typeface="Consolas" panose="020B0609020204030204" pitchFamily="49" charset="0"/>
-              </a:rPr>
-              <a:t>print</a:t>
-            </a:r>
-            <a:r>
-              <a:rPr lang="en-US" sz="2400" dirty="0">
-                <a:solidFill>
-                  <a:srgbClr val="000000"/>
-                </a:solidFill>
-                <a:latin typeface="Consolas" panose="020B0609020204030204" pitchFamily="49" charset="0"/>
-              </a:rPr>
-              <a:t>(</a:t>
-            </a:r>
-            <a:r>
-              <a:rPr lang="en-US" sz="2400" dirty="0">
-                <a:solidFill>
-                  <a:srgbClr val="A31515"/>
-                </a:solidFill>
-                <a:latin typeface="Consolas" panose="020B0609020204030204" pitchFamily="49" charset="0"/>
-              </a:rPr>
-              <a:t>'Hello, World!'</a:t>
-            </a:r>
-            <a:r>
-              <a:rPr lang="en-US" sz="2400" dirty="0">
-                <a:solidFill>
-                  <a:srgbClr val="000000"/>
-                </a:solidFill>
-                <a:latin typeface="Consolas" panose="020B0609020204030204" pitchFamily="49" charset="0"/>
-              </a:rPr>
-              <a:t>)</a:t>
-            </a:r>
-          </a:p>
-          <a:p>
-            <a:br>
-              <a:rPr lang="en-US" sz="2400" dirty="0">
-                <a:solidFill>
-                  <a:srgbClr val="000000"/>
-                </a:solidFill>
-                <a:latin typeface="Consolas" panose="020B0609020204030204" pitchFamily="49" charset="0"/>
-              </a:rPr>
-            </a:br>
-            <a:r>
-              <a:rPr lang="en-US" sz="2400" dirty="0">
-                <a:solidFill>
-                  <a:srgbClr val="A31515"/>
-                </a:solidFill>
-                <a:latin typeface="Consolas" panose="020B0609020204030204" pitchFamily="49" charset="0"/>
-              </a:rPr>
-              <a:t>'''</a:t>
-            </a:r>
-            <a:endParaRPr lang="en-US" sz="2400" dirty="0">
-              <a:solidFill>
-                <a:srgbClr val="000000"/>
-              </a:solidFill>
-              <a:latin typeface="Consolas" panose="020B0609020204030204" pitchFamily="49" charset="0"/>
-            </a:endParaRPr>
-          </a:p>
-          <a:p>
-            <a:r>
-              <a:rPr lang="en-US" sz="2400" dirty="0">
-                <a:solidFill>
-                  <a:srgbClr val="A31515"/>
-                </a:solidFill>
-                <a:latin typeface="Consolas" panose="020B0609020204030204" pitchFamily="49" charset="0"/>
-              </a:rPr>
-              <a:t>Note that print is a function</a:t>
-            </a:r>
-            <a:endParaRPr lang="en-US" sz="2400" dirty="0">
-              <a:solidFill>
-                <a:srgbClr val="000000"/>
-              </a:solidFill>
-              <a:latin typeface="Consolas" panose="020B0609020204030204" pitchFamily="49" charset="0"/>
-            </a:endParaRPr>
-          </a:p>
-          <a:p>
-            <a:r>
-              <a:rPr lang="en-US" sz="2400" dirty="0">
-                <a:solidFill>
-                  <a:srgbClr val="A31515"/>
-                </a:solidFill>
-                <a:latin typeface="Consolas" panose="020B0609020204030204" pitchFamily="49" charset="0"/>
-              </a:rPr>
-              <a:t>'''</a:t>
-            </a:r>
-            <a:endParaRPr lang="en-US" sz="2400" dirty="0">
-              <a:solidFill>
-                <a:srgbClr val="000000"/>
-              </a:solidFill>
-              <a:latin typeface="Consolas" panose="020B0609020204030204" pitchFamily="49" charset="0"/>
-            </a:endParaRPr>
-          </a:p>
-          <a:p>
-            <a:r>
-              <a:rPr lang="en-US" sz="2400" dirty="0">
-                <a:solidFill>
-                  <a:srgbClr val="795E26"/>
-                </a:solidFill>
-                <a:latin typeface="Consolas" panose="020B0609020204030204" pitchFamily="49" charset="0"/>
-              </a:rPr>
-              <a:t>print</a:t>
-            </a:r>
-            <a:r>
-              <a:rPr lang="en-US" sz="2400" dirty="0">
-                <a:solidFill>
-                  <a:srgbClr val="000000"/>
-                </a:solidFill>
-                <a:latin typeface="Consolas" panose="020B0609020204030204" pitchFamily="49" charset="0"/>
-              </a:rPr>
-              <a:t>(</a:t>
-            </a:r>
-            <a:r>
-              <a:rPr lang="en-US" sz="2400" dirty="0">
-                <a:solidFill>
-                  <a:srgbClr val="A31515"/>
-                </a:solidFill>
-                <a:latin typeface="Consolas" panose="020B0609020204030204" pitchFamily="49" charset="0"/>
-              </a:rPr>
-              <a:t>'Hello, World!'</a:t>
-            </a:r>
-            <a:r>
-              <a:rPr lang="en-US" sz="2400" dirty="0">
-                <a:solidFill>
-                  <a:srgbClr val="000000"/>
-                </a:solidFill>
-                <a:latin typeface="Consolas" panose="020B0609020204030204" pitchFamily="49" charset="0"/>
-              </a:rPr>
-              <a:t>)</a:t>
-            </a:r>
-          </a:p>
-          <a:p>
-            <a:br>
-              <a:rPr lang="en-US" sz="2400" dirty="0">
-                <a:solidFill>
-                  <a:srgbClr val="000000"/>
-                </a:solidFill>
-                <a:latin typeface="Consolas" panose="020B0609020204030204" pitchFamily="49" charset="0"/>
-              </a:rPr>
-            </a:br>
-            <a:endParaRPr lang="en-US" sz="2400" b="0" dirty="0">
-              <a:solidFill>
-                <a:srgbClr val="000000"/>
-              </a:solidFill>
-              <a:effectLst/>
-              <a:latin typeface="Consolas" panose="020B0609020204030204" pitchFamily="49" charset="0"/>
-            </a:endParaRPr>
-          </a:p>
-        </p:txBody>
-      </p:sp>
     </p:spTree>
     <p:extLst>
       <p:ext uri="{BB962C8B-B14F-4D97-AF65-F5344CB8AC3E}">
-        <p14:creationId xmlns:p14="http://schemas.microsoft.com/office/powerpoint/2010/main" val="3231813695"/>
+        <p14:creationId xmlns:p14="http://schemas.microsoft.com/office/powerpoint/2010/main" val="1007230152"/>
       </p:ext>
     </p:extLst>
   </p:cSld>
@@ -4487,7 +4234,7 @@
           <p:cNvPr id="2" name="제목 1">
             <a:extLst>
               <a:ext uri="{FF2B5EF4-FFF2-40B4-BE49-F238E27FC236}">
-                <a16:creationId xmlns:a16="http://schemas.microsoft.com/office/drawing/2014/main" id="{C6B9D964-2DCA-4720-98F1-CB38F94C4A76}"/>
+                <a16:creationId xmlns:a16="http://schemas.microsoft.com/office/drawing/2014/main" id="{C148AB4C-1C8A-4E78-BA6F-99E94CC44671}"/>
               </a:ext>
             </a:extLst>
           </p:cNvPr>
@@ -4500,14 +4247,12 @@
         </p:nvSpPr>
         <p:spPr>
           <a:xfrm>
-            <a:off x="838200" y="2303084"/>
-            <a:ext cx="10515600" cy="2251831"/>
+            <a:off x="838200" y="2414597"/>
+            <a:ext cx="10515600" cy="2028806"/>
           </a:xfrm>
         </p:spPr>
         <p:txBody>
-          <a:bodyPr>
-            <a:normAutofit/>
-          </a:bodyPr>
+          <a:bodyPr/>
           <a:lstStyle/>
           <a:p>
             <a:pPr>
@@ -4517,7 +4262,7 @@
             </a:pPr>
             <a:r>
               <a:rPr lang="en-US" dirty="0"/>
-              <a:t>Numbers</a:t>
+              <a:t>Comment</a:t>
             </a:r>
             <a:br>
               <a:rPr lang="en-US" dirty="0"/>
@@ -4530,7 +4275,7 @@
                   </a:schemeClr>
                 </a:solidFill>
               </a:rPr>
-              <a:t>숫자형</a:t>
+              <a:t>주석</a:t>
             </a:r>
             <a:endParaRPr lang="en-US" dirty="0">
               <a:solidFill>
@@ -4545,7 +4290,7 @@
     </p:spTree>
     <p:extLst>
       <p:ext uri="{BB962C8B-B14F-4D97-AF65-F5344CB8AC3E}">
-        <p14:creationId xmlns:p14="http://schemas.microsoft.com/office/powerpoint/2010/main" val="302955075"/>
+        <p14:creationId xmlns:p14="http://schemas.microsoft.com/office/powerpoint/2010/main" val="3169110437"/>
       </p:ext>
     </p:extLst>
   </p:cSld>
@@ -4574,53 +4319,266 @@
       </p:grpSpPr>
       <p:sp>
         <p:nvSpPr>
-          <p:cNvPr id="2" name="제목 1">
-            <a:extLst>
-              <a:ext uri="{FF2B5EF4-FFF2-40B4-BE49-F238E27FC236}">
-                <a16:creationId xmlns:a16="http://schemas.microsoft.com/office/drawing/2014/main" id="{11CFF0F1-0B0B-4A0F-B93E-ACCB4A4693FD}"/>
-              </a:ext>
-            </a:extLst>
-          </p:cNvPr>
-          <p:cNvSpPr>
-            <a:spLocks noGrp="1"/>
-          </p:cNvSpPr>
-          <p:nvPr>
-            <p:ph type="title"/>
-          </p:nvPr>
-        </p:nvSpPr>
-        <p:spPr/>
-        <p:txBody>
-          <a:bodyPr/>
-          <a:lstStyle/>
-          <a:p>
-            <a:r>
-              <a:rPr lang="en-US" dirty="0"/>
-              <a:t>Integer</a:t>
-            </a:r>
-            <a:r>
-              <a:rPr lang="ko-KR" altLang="en-US" dirty="0"/>
-              <a:t>  </a:t>
-            </a:r>
-            <a:r>
-              <a:rPr lang="en-US" altLang="ko-KR" dirty="0"/>
-              <a:t>&amp; </a:t>
-            </a:r>
-            <a:r>
-              <a:rPr lang="ko-KR" altLang="en-US" dirty="0"/>
-              <a:t> </a:t>
-            </a:r>
-            <a:r>
-              <a:rPr lang="en-US" altLang="ko-KR" dirty="0"/>
-              <a:t>Float</a:t>
-            </a:r>
-            <a:endParaRPr lang="en-US" dirty="0"/>
+          <p:cNvPr id="3" name="직사각형 2">
+            <a:extLst>
+              <a:ext uri="{FF2B5EF4-FFF2-40B4-BE49-F238E27FC236}">
+                <a16:creationId xmlns:a16="http://schemas.microsoft.com/office/drawing/2014/main" id="{3F072DA2-7EA1-4080-A571-F9A91C29694E}"/>
+              </a:ext>
+            </a:extLst>
+          </p:cNvPr>
+          <p:cNvSpPr/>
+          <p:nvPr/>
+        </p:nvSpPr>
+        <p:spPr>
+          <a:xfrm>
+            <a:off x="1029629" y="1351508"/>
+            <a:ext cx="10132741" cy="4154984"/>
+          </a:xfrm>
+          <a:prstGeom prst="rect">
+            <a:avLst/>
+          </a:prstGeom>
+        </p:spPr>
+        <p:txBody>
+          <a:bodyPr wrap="square">
+            <a:spAutoFit/>
+          </a:bodyPr>
+          <a:lstStyle/>
+          <a:p>
+            <a:r>
+              <a:rPr lang="en-US" sz="2400" dirty="0">
+                <a:solidFill>
+                  <a:srgbClr val="795E26"/>
+                </a:solidFill>
+                <a:latin typeface="Consolas" panose="020B0609020204030204" pitchFamily="49" charset="0"/>
+              </a:rPr>
+              <a:t>print</a:t>
+            </a:r>
+            <a:r>
+              <a:rPr lang="en-US" sz="2400" dirty="0">
+                <a:solidFill>
+                  <a:srgbClr val="000000"/>
+                </a:solidFill>
+                <a:latin typeface="Consolas" panose="020B0609020204030204" pitchFamily="49" charset="0"/>
+              </a:rPr>
+              <a:t>(</a:t>
+            </a:r>
+            <a:r>
+              <a:rPr lang="en-US" sz="2400" dirty="0">
+                <a:solidFill>
+                  <a:srgbClr val="A31515"/>
+                </a:solidFill>
+                <a:latin typeface="Consolas" panose="020B0609020204030204" pitchFamily="49" charset="0"/>
+              </a:rPr>
+              <a:t>"Hello, World!"</a:t>
+            </a:r>
+            <a:r>
+              <a:rPr lang="en-US" sz="2400" dirty="0">
+                <a:solidFill>
+                  <a:srgbClr val="000000"/>
+                </a:solidFill>
+                <a:latin typeface="Consolas" panose="020B0609020204030204" pitchFamily="49" charset="0"/>
+              </a:rPr>
+              <a:t>)  </a:t>
+            </a:r>
+            <a:r>
+              <a:rPr lang="en-US" sz="2400" dirty="0">
+                <a:solidFill>
+                  <a:srgbClr val="008000"/>
+                </a:solidFill>
+                <a:latin typeface="Consolas" panose="020B0609020204030204" pitchFamily="49" charset="0"/>
+              </a:rPr>
+              <a:t># Note that print is a function</a:t>
+            </a:r>
+            <a:endParaRPr lang="en-US" sz="2400" dirty="0">
+              <a:solidFill>
+                <a:srgbClr val="000000"/>
+              </a:solidFill>
+              <a:latin typeface="Consolas" panose="020B0609020204030204" pitchFamily="49" charset="0"/>
+            </a:endParaRPr>
+          </a:p>
+          <a:p>
+            <a:br>
+              <a:rPr lang="en-US" sz="2400" dirty="0">
+                <a:solidFill>
+                  <a:srgbClr val="000000"/>
+                </a:solidFill>
+                <a:latin typeface="Consolas" panose="020B0609020204030204" pitchFamily="49" charset="0"/>
+              </a:rPr>
+            </a:br>
+            <a:r>
+              <a:rPr lang="en-US" sz="2400" dirty="0">
+                <a:solidFill>
+                  <a:srgbClr val="008000"/>
+                </a:solidFill>
+                <a:latin typeface="Consolas" panose="020B0609020204030204" pitchFamily="49" charset="0"/>
+              </a:rPr>
+              <a:t># Note that print is a function</a:t>
+            </a:r>
+            <a:endParaRPr lang="en-US" sz="2400" dirty="0">
+              <a:solidFill>
+                <a:srgbClr val="000000"/>
+              </a:solidFill>
+              <a:latin typeface="Consolas" panose="020B0609020204030204" pitchFamily="49" charset="0"/>
+            </a:endParaRPr>
+          </a:p>
+          <a:p>
+            <a:r>
+              <a:rPr lang="en-US" sz="2400" dirty="0">
+                <a:solidFill>
+                  <a:srgbClr val="795E26"/>
+                </a:solidFill>
+                <a:latin typeface="Consolas" panose="020B0609020204030204" pitchFamily="49" charset="0"/>
+              </a:rPr>
+              <a:t>print</a:t>
+            </a:r>
+            <a:r>
+              <a:rPr lang="en-US" sz="2400" dirty="0">
+                <a:solidFill>
+                  <a:srgbClr val="000000"/>
+                </a:solidFill>
+                <a:latin typeface="Consolas" panose="020B0609020204030204" pitchFamily="49" charset="0"/>
+              </a:rPr>
+              <a:t>(</a:t>
+            </a:r>
+            <a:r>
+              <a:rPr lang="en-US" sz="2400" dirty="0">
+                <a:solidFill>
+                  <a:srgbClr val="A31515"/>
+                </a:solidFill>
+                <a:latin typeface="Consolas" panose="020B0609020204030204" pitchFamily="49" charset="0"/>
+              </a:rPr>
+              <a:t>'Hello, World!'</a:t>
+            </a:r>
+            <a:r>
+              <a:rPr lang="en-US" sz="2400" dirty="0">
+                <a:solidFill>
+                  <a:srgbClr val="000000"/>
+                </a:solidFill>
+                <a:latin typeface="Consolas" panose="020B0609020204030204" pitchFamily="49" charset="0"/>
+              </a:rPr>
+              <a:t>)</a:t>
+            </a:r>
+          </a:p>
+          <a:p>
+            <a:br>
+              <a:rPr lang="en-US" sz="2400" dirty="0">
+                <a:solidFill>
+                  <a:srgbClr val="000000"/>
+                </a:solidFill>
+                <a:latin typeface="Consolas" panose="020B0609020204030204" pitchFamily="49" charset="0"/>
+              </a:rPr>
+            </a:br>
+            <a:r>
+              <a:rPr lang="en-US" sz="2400" dirty="0">
+                <a:solidFill>
+                  <a:srgbClr val="A31515"/>
+                </a:solidFill>
+                <a:latin typeface="Consolas" panose="020B0609020204030204" pitchFamily="49" charset="0"/>
+              </a:rPr>
+              <a:t>'''</a:t>
+            </a:r>
+            <a:endParaRPr lang="en-US" sz="2400" dirty="0">
+              <a:solidFill>
+                <a:srgbClr val="000000"/>
+              </a:solidFill>
+              <a:latin typeface="Consolas" panose="020B0609020204030204" pitchFamily="49" charset="0"/>
+            </a:endParaRPr>
+          </a:p>
+          <a:p>
+            <a:r>
+              <a:rPr lang="en-US" sz="2400" dirty="0">
+                <a:solidFill>
+                  <a:srgbClr val="A31515"/>
+                </a:solidFill>
+                <a:latin typeface="Consolas" panose="020B0609020204030204" pitchFamily="49" charset="0"/>
+              </a:rPr>
+              <a:t>Note that print is a function</a:t>
+            </a:r>
+            <a:endParaRPr lang="en-US" sz="2400" dirty="0">
+              <a:solidFill>
+                <a:srgbClr val="000000"/>
+              </a:solidFill>
+              <a:latin typeface="Consolas" panose="020B0609020204030204" pitchFamily="49" charset="0"/>
+            </a:endParaRPr>
+          </a:p>
+          <a:p>
+            <a:r>
+              <a:rPr lang="en-US" sz="2400" dirty="0">
+                <a:solidFill>
+                  <a:srgbClr val="A31515"/>
+                </a:solidFill>
+                <a:latin typeface="Consolas" panose="020B0609020204030204" pitchFamily="49" charset="0"/>
+              </a:rPr>
+              <a:t>'''</a:t>
+            </a:r>
+            <a:endParaRPr lang="en-US" sz="2400" dirty="0">
+              <a:solidFill>
+                <a:srgbClr val="000000"/>
+              </a:solidFill>
+              <a:latin typeface="Consolas" panose="020B0609020204030204" pitchFamily="49" charset="0"/>
+            </a:endParaRPr>
+          </a:p>
+          <a:p>
+            <a:r>
+              <a:rPr lang="en-US" sz="2400" dirty="0">
+                <a:solidFill>
+                  <a:srgbClr val="795E26"/>
+                </a:solidFill>
+                <a:latin typeface="Consolas" panose="020B0609020204030204" pitchFamily="49" charset="0"/>
+              </a:rPr>
+              <a:t>print</a:t>
+            </a:r>
+            <a:r>
+              <a:rPr lang="en-US" sz="2400" dirty="0">
+                <a:solidFill>
+                  <a:srgbClr val="000000"/>
+                </a:solidFill>
+                <a:latin typeface="Consolas" panose="020B0609020204030204" pitchFamily="49" charset="0"/>
+              </a:rPr>
+              <a:t>(</a:t>
+            </a:r>
+            <a:r>
+              <a:rPr lang="en-US" sz="2400" dirty="0">
+                <a:solidFill>
+                  <a:srgbClr val="A31515"/>
+                </a:solidFill>
+                <a:latin typeface="Consolas" panose="020B0609020204030204" pitchFamily="49" charset="0"/>
+              </a:rPr>
+              <a:t>'Hello, World!'</a:t>
+            </a:r>
+            <a:r>
+              <a:rPr lang="en-US" sz="2400" dirty="0">
+                <a:solidFill>
+                  <a:srgbClr val="000000"/>
+                </a:solidFill>
+                <a:latin typeface="Consolas" panose="020B0609020204030204" pitchFamily="49" charset="0"/>
+              </a:rPr>
+              <a:t>)</a:t>
+            </a:r>
+          </a:p>
+          <a:p>
+            <a:br>
+              <a:rPr lang="en-US" sz="2400" dirty="0">
+                <a:solidFill>
+                  <a:srgbClr val="000000"/>
+                </a:solidFill>
+                <a:latin typeface="Consolas" panose="020B0609020204030204" pitchFamily="49" charset="0"/>
+              </a:rPr>
+            </a:br>
+            <a:endParaRPr lang="en-US" sz="2400" b="0" dirty="0">
+              <a:solidFill>
+                <a:srgbClr val="000000"/>
+              </a:solidFill>
+              <a:effectLst/>
+              <a:latin typeface="Consolas" panose="020B0609020204030204" pitchFamily="49" charset="0"/>
+            </a:endParaRPr>
           </a:p>
         </p:txBody>
       </p:sp>
     </p:spTree>
     <p:extLst>
       <p:ext uri="{BB962C8B-B14F-4D97-AF65-F5344CB8AC3E}">
-        <p14:creationId xmlns:p14="http://schemas.microsoft.com/office/powerpoint/2010/main" val="1527530666"/>
+        <p14:creationId xmlns:p14="http://schemas.microsoft.com/office/powerpoint/2010/main" val="3231813695"/>
       </p:ext>
     </p:extLst>
   </p:cSld>
@@ -4652,7 +4610,7 @@
           <p:cNvPr id="2" name="제목 1">
             <a:extLst>
               <a:ext uri="{FF2B5EF4-FFF2-40B4-BE49-F238E27FC236}">
-                <a16:creationId xmlns:a16="http://schemas.microsoft.com/office/drawing/2014/main" id="{C6B9D964-2DCA-4720-98F1-CB38F94C4A76}"/>
+                <a16:creationId xmlns:a16="http://schemas.microsoft.com/office/drawing/2014/main" id="{AC8875EE-E352-4CF8-A630-C24838F71639}"/>
               </a:ext>
             </a:extLst>
           </p:cNvPr>
@@ -4663,54 +4621,22 @@
             <p:ph type="title"/>
           </p:nvPr>
         </p:nvSpPr>
-        <p:spPr>
-          <a:xfrm>
-            <a:off x="838200" y="2303084"/>
-            <a:ext cx="10515600" cy="2251831"/>
-          </a:xfrm>
-        </p:spPr>
-        <p:txBody>
-          <a:bodyPr>
-            <a:normAutofit/>
-          </a:bodyPr>
-          <a:lstStyle/>
-          <a:p>
-            <a:pPr>
-              <a:lnSpc>
-                <a:spcPct val="150000"/>
-              </a:lnSpc>
-            </a:pPr>
+        <p:spPr/>
+        <p:txBody>
+          <a:bodyPr/>
+          <a:lstStyle/>
+          <a:p>
             <a:r>
               <a:rPr lang="en-US" dirty="0"/>
-              <a:t>Strings</a:t>
-            </a:r>
-            <a:br>
-              <a:rPr lang="en-US" dirty="0"/>
-            </a:br>
-            <a:r>
-              <a:rPr lang="ko-KR" altLang="en-US" sz="2800" dirty="0">
-                <a:solidFill>
-                  <a:schemeClr val="bg1">
-                    <a:lumMod val="65000"/>
-                  </a:schemeClr>
-                </a:solidFill>
-              </a:rPr>
-              <a:t>문자열</a:t>
-            </a:r>
-            <a:endParaRPr lang="en-US" dirty="0">
-              <a:solidFill>
-                <a:schemeClr val="bg1">
-                  <a:lumMod val="65000"/>
-                </a:schemeClr>
-              </a:solidFill>
-            </a:endParaRPr>
+              <a:t>Data Types</a:t>
+            </a:r>
           </a:p>
         </p:txBody>
       </p:sp>
     </p:spTree>
     <p:extLst>
       <p:ext uri="{BB962C8B-B14F-4D97-AF65-F5344CB8AC3E}">
-        <p14:creationId xmlns:p14="http://schemas.microsoft.com/office/powerpoint/2010/main" val="2546093749"/>
+        <p14:creationId xmlns:p14="http://schemas.microsoft.com/office/powerpoint/2010/main" val="224208024"/>
       </p:ext>
     </p:extLst>
   </p:cSld>
@@ -4742,7 +4668,7 @@
           <p:cNvPr id="2" name="제목 1">
             <a:extLst>
               <a:ext uri="{FF2B5EF4-FFF2-40B4-BE49-F238E27FC236}">
-                <a16:creationId xmlns:a16="http://schemas.microsoft.com/office/drawing/2014/main" id="{3F80729C-5866-4CF9-82DA-712B9DC0E16E}"/>
+                <a16:creationId xmlns:a16="http://schemas.microsoft.com/office/drawing/2014/main" id="{C6B9D964-2DCA-4720-98F1-CB38F94C4A76}"/>
               </a:ext>
             </a:extLst>
           </p:cNvPr>
@@ -4752,131 +4678,55 @@
           <p:nvPr>
             <p:ph type="title"/>
           </p:nvPr>
-        </p:nvSpPr>
-        <p:spPr/>
-        <p:txBody>
-          <a:bodyPr/>
-          <a:lstStyle/>
-          <a:p>
-            <a:r>
-              <a:rPr lang="en-US" dirty="0"/>
-              <a:t>“   ”</a:t>
-            </a:r>
-          </a:p>
-        </p:txBody>
-      </p:sp>
-      <p:sp>
-        <p:nvSpPr>
-          <p:cNvPr id="3" name="제목 1">
-            <a:extLst>
-              <a:ext uri="{FF2B5EF4-FFF2-40B4-BE49-F238E27FC236}">
-                <a16:creationId xmlns:a16="http://schemas.microsoft.com/office/drawing/2014/main" id="{2E05A63E-6182-4180-8CB1-F6C037E6E07A}"/>
-              </a:ext>
-            </a:extLst>
-          </p:cNvPr>
-          <p:cNvSpPr txBox="1">
-            <a:spLocks/>
-          </p:cNvSpPr>
-          <p:nvPr/>
         </p:nvSpPr>
         <p:spPr>
           <a:xfrm>
-            <a:off x="838200" y="1271239"/>
-            <a:ext cx="10515600" cy="1325563"/>
+            <a:off x="838200" y="2303084"/>
+            <a:ext cx="10515600" cy="2251831"/>
           </a:xfrm>
-          <a:prstGeom prst="rect">
-            <a:avLst/>
-          </a:prstGeom>
         </p:spPr>
         <p:txBody>
-          <a:bodyPr vert="horz" lIns="91440" tIns="45720" rIns="91440" bIns="45720" rtlCol="0" anchor="ctr">
+          <a:bodyPr>
             <a:normAutofit/>
           </a:bodyPr>
-          <a:lstStyle>
-            <a:lvl1pPr algn="ctr" defTabSz="914400" rtl="0" eaLnBrk="1" latinLnBrk="0" hangingPunct="1">
+          <a:lstStyle/>
+          <a:p>
+            <a:pPr>
               <a:lnSpc>
-                <a:spcPct val="90000"/>
+                <a:spcPct val="150000"/>
               </a:lnSpc>
-              <a:spcBef>
-                <a:spcPct val="0"/>
-              </a:spcBef>
-              <a:buNone/>
-              <a:defRPr sz="4400" kern="1200">
-                <a:solidFill>
-                  <a:schemeClr val="tx1"/>
-                </a:solidFill>
-                <a:latin typeface="Sandoll 고딕Neo3 04 Medium" panose="020B0600000101010101" pitchFamily="34" charset="-127"/>
-                <a:ea typeface="Sandoll 고딕Neo3 04 Medium" panose="020B0600000101010101" pitchFamily="34" charset="-127"/>
-                <a:cs typeface="+mj-cs"/>
-              </a:defRPr>
-            </a:lvl1pPr>
-          </a:lstStyle>
-          <a:p>
+            </a:pPr>
             <a:r>
               <a:rPr lang="en-US" dirty="0"/>
-              <a:t>‘   ’</a:t>
-            </a:r>
-          </a:p>
-        </p:txBody>
-      </p:sp>
-      <p:sp>
-        <p:nvSpPr>
-          <p:cNvPr id="4" name="제목 1">
-            <a:extLst>
-              <a:ext uri="{FF2B5EF4-FFF2-40B4-BE49-F238E27FC236}">
-                <a16:creationId xmlns:a16="http://schemas.microsoft.com/office/drawing/2014/main" id="{A750D358-88CE-4B43-AA52-CA04C5C4B6FC}"/>
-              </a:ext>
-            </a:extLst>
-          </p:cNvPr>
-          <p:cNvSpPr txBox="1">
-            <a:spLocks/>
-          </p:cNvSpPr>
-          <p:nvPr/>
-        </p:nvSpPr>
-        <p:spPr>
-          <a:xfrm>
-            <a:off x="838200" y="4261197"/>
-            <a:ext cx="10515600" cy="1325563"/>
-          </a:xfrm>
-          <a:prstGeom prst="rect">
-            <a:avLst/>
-          </a:prstGeom>
-        </p:spPr>
-        <p:txBody>
-          <a:bodyPr vert="horz" lIns="91440" tIns="45720" rIns="91440" bIns="45720" rtlCol="0" anchor="ctr">
-            <a:normAutofit/>
-          </a:bodyPr>
-          <a:lstStyle>
-            <a:lvl1pPr algn="ctr" defTabSz="914400" rtl="0" eaLnBrk="1" latinLnBrk="0" hangingPunct="1">
-              <a:lnSpc>
-                <a:spcPct val="90000"/>
-              </a:lnSpc>
-              <a:spcBef>
-                <a:spcPct val="0"/>
-              </a:spcBef>
-              <a:buNone/>
-              <a:defRPr sz="4400" kern="1200">
-                <a:solidFill>
-                  <a:schemeClr val="tx1"/>
-                </a:solidFill>
-                <a:latin typeface="Sandoll 고딕Neo3 04 Medium" panose="020B0600000101010101" pitchFamily="34" charset="-127"/>
-                <a:ea typeface="Sandoll 고딕Neo3 04 Medium" panose="020B0600000101010101" pitchFamily="34" charset="-127"/>
-                <a:cs typeface="+mj-cs"/>
-              </a:defRPr>
-            </a:lvl1pPr>
-          </a:lstStyle>
-          <a:p>
-            <a:r>
+              <a:t>Numbers</a:t>
+            </a:r>
+            <a:br>
               <a:rPr lang="en-US" dirty="0"/>
-              <a:t>“““   ”””</a:t>
-            </a:r>
+            </a:br>
+            <a:r>
+              <a:rPr lang="ko-KR" altLang="en-US" sz="2800" dirty="0">
+                <a:solidFill>
+                  <a:schemeClr val="bg1">
+                    <a:lumMod val="65000"/>
+                  </a:schemeClr>
+                </a:solidFill>
+              </a:rPr>
+              <a:t>숫자형</a:t>
+            </a:r>
+            <a:endParaRPr lang="en-US" dirty="0">
+              <a:solidFill>
+                <a:schemeClr val="bg1">
+                  <a:lumMod val="65000"/>
+                </a:schemeClr>
+              </a:solidFill>
+            </a:endParaRPr>
           </a:p>
         </p:txBody>
       </p:sp>
     </p:spTree>
     <p:extLst>
       <p:ext uri="{BB962C8B-B14F-4D97-AF65-F5344CB8AC3E}">
-        <p14:creationId xmlns:p14="http://schemas.microsoft.com/office/powerpoint/2010/main" val="762797356"/>
+        <p14:creationId xmlns:p14="http://schemas.microsoft.com/office/powerpoint/2010/main" val="302955075"/>
       </p:ext>
     </p:extLst>
   </p:cSld>
@@ -4908,7 +4758,7 @@
           <p:cNvPr id="2" name="제목 1">
             <a:extLst>
               <a:ext uri="{FF2B5EF4-FFF2-40B4-BE49-F238E27FC236}">
-                <a16:creationId xmlns:a16="http://schemas.microsoft.com/office/drawing/2014/main" id="{C6B9D964-2DCA-4720-98F1-CB38F94C4A76}"/>
+                <a16:creationId xmlns:a16="http://schemas.microsoft.com/office/drawing/2014/main" id="{11CFF0F1-0B0B-4A0F-B93E-ACCB4A4693FD}"/>
               </a:ext>
             </a:extLst>
           </p:cNvPr>
@@ -4919,64 +4769,39 @@
             <p:ph type="title"/>
           </p:nvPr>
         </p:nvSpPr>
-        <p:spPr>
-          <a:xfrm>
-            <a:off x="838200" y="2303084"/>
-            <a:ext cx="10515600" cy="2251831"/>
-          </a:xfrm>
-        </p:spPr>
-        <p:txBody>
-          <a:bodyPr>
-            <a:normAutofit/>
-          </a:bodyPr>
-          <a:lstStyle/>
-          <a:p>
-            <a:pPr>
-              <a:lnSpc>
-                <a:spcPct val="150000"/>
-              </a:lnSpc>
-            </a:pPr>
+        <p:spPr/>
+        <p:txBody>
+          <a:bodyPr/>
+          <a:lstStyle/>
+          <a:p>
             <a:r>
               <a:rPr lang="en-US" dirty="0"/>
-              <a:t>The Format Method</a:t>
-            </a:r>
-            <a:br>
-              <a:rPr lang="en-US" dirty="0"/>
-            </a:br>
-            <a:r>
-              <a:rPr lang="ko-KR" altLang="en-US" sz="2800" dirty="0">
-                <a:solidFill>
-                  <a:schemeClr val="bg1">
-                    <a:lumMod val="65000"/>
-                  </a:schemeClr>
-                </a:solidFill>
-              </a:rPr>
-              <a:t>문자열 </a:t>
-            </a:r>
-            <a:r>
-              <a:rPr lang="ko-KR" altLang="en-US" sz="2800" dirty="0" err="1">
-                <a:solidFill>
-                  <a:schemeClr val="bg1">
-                    <a:lumMod val="65000"/>
-                  </a:schemeClr>
-                </a:solidFill>
-              </a:rPr>
-              <a:t>포맷팅</a:t>
-            </a:r>
-            <a:endParaRPr lang="en-US" dirty="0">
-              <a:solidFill>
-                <a:schemeClr val="bg1">
-                  <a:lumMod val="65000"/>
-                </a:schemeClr>
-              </a:solidFill>
-            </a:endParaRPr>
+              <a:t>Integer</a:t>
+            </a:r>
+            <a:r>
+              <a:rPr lang="ko-KR" altLang="en-US" dirty="0"/>
+              <a:t>  </a:t>
+            </a:r>
+            <a:r>
+              <a:rPr lang="en-US" altLang="ko-KR" dirty="0"/>
+              <a:t>&amp; </a:t>
+            </a:r>
+            <a:r>
+              <a:rPr lang="ko-KR" altLang="en-US" dirty="0"/>
+              <a:t> </a:t>
+            </a:r>
+            <a:r>
+              <a:rPr lang="en-US" altLang="ko-KR" dirty="0"/>
+              <a:t>Float</a:t>
+            </a:r>
+            <a:endParaRPr lang="en-US" dirty="0"/>
           </a:p>
         </p:txBody>
       </p:sp>
     </p:spTree>
     <p:extLst>
       <p:ext uri="{BB962C8B-B14F-4D97-AF65-F5344CB8AC3E}">
-        <p14:creationId xmlns:p14="http://schemas.microsoft.com/office/powerpoint/2010/main" val="1079396926"/>
+        <p14:creationId xmlns:p14="http://schemas.microsoft.com/office/powerpoint/2010/main" val="1527530666"/>
       </p:ext>
     </p:extLst>
   </p:cSld>
@@ -5005,306 +4830,69 @@
       </p:grpSpPr>
       <p:sp>
         <p:nvSpPr>
-          <p:cNvPr id="4" name="직사각형 3">
-            <a:extLst>
-              <a:ext uri="{FF2B5EF4-FFF2-40B4-BE49-F238E27FC236}">
-                <a16:creationId xmlns:a16="http://schemas.microsoft.com/office/drawing/2014/main" id="{FABD3097-78AA-4C51-9412-2EB572881367}"/>
-              </a:ext>
-            </a:extLst>
-          </p:cNvPr>
-          <p:cNvSpPr/>
-          <p:nvPr/>
-        </p:nvSpPr>
-        <p:spPr>
-          <a:xfrm>
-            <a:off x="1020336" y="2613392"/>
-            <a:ext cx="10151327" cy="1631216"/>
-          </a:xfrm>
-          <a:prstGeom prst="rect">
-            <a:avLst/>
-          </a:prstGeom>
-        </p:spPr>
-        <p:txBody>
-          <a:bodyPr wrap="square">
-            <a:spAutoFit/>
-          </a:bodyPr>
-          <a:lstStyle/>
-          <a:p>
-            <a:r>
-              <a:rPr lang="en-US" sz="2000" dirty="0">
-                <a:solidFill>
-                  <a:srgbClr val="000000"/>
-                </a:solidFill>
-                <a:latin typeface="Consolas" panose="020B0609020204030204" pitchFamily="49" charset="0"/>
-              </a:rPr>
-              <a:t>age = </a:t>
-            </a:r>
-            <a:r>
-              <a:rPr lang="en-US" sz="2000" dirty="0">
-                <a:solidFill>
-                  <a:srgbClr val="09885A"/>
-                </a:solidFill>
-                <a:latin typeface="Consolas" panose="020B0609020204030204" pitchFamily="49" charset="0"/>
-              </a:rPr>
-              <a:t>20</a:t>
-            </a:r>
-            <a:endParaRPr lang="en-US" sz="2000" dirty="0">
+          <p:cNvPr id="2" name="제목 1">
+            <a:extLst>
+              <a:ext uri="{FF2B5EF4-FFF2-40B4-BE49-F238E27FC236}">
+                <a16:creationId xmlns:a16="http://schemas.microsoft.com/office/drawing/2014/main" id="{11CFF0F1-0B0B-4A0F-B93E-ACCB4A4693FD}"/>
+              </a:ext>
+            </a:extLst>
+          </p:cNvPr>
+          <p:cNvSpPr>
+            <a:spLocks noGrp="1"/>
+          </p:cNvSpPr>
+          <p:nvPr>
+            <p:ph type="title"/>
+          </p:nvPr>
+        </p:nvSpPr>
+        <p:spPr/>
+        <p:txBody>
+          <a:bodyPr/>
+          <a:lstStyle/>
+          <a:p>
+            <a:r>
+              <a:rPr lang="en-US" dirty="0"/>
+              <a:t>Integer</a:t>
+            </a:r>
+            <a:r>
+              <a:rPr lang="ko-KR" altLang="en-US" dirty="0"/>
+              <a:t>  </a:t>
+            </a:r>
+            <a:r>
+              <a:rPr lang="en-US" altLang="ko-KR" dirty="0">
+                <a:solidFill>
+                  <a:schemeClr val="bg1">
+                    <a:lumMod val="65000"/>
+                  </a:schemeClr>
+                </a:solidFill>
+              </a:rPr>
+              <a:t>&amp; </a:t>
+            </a:r>
+            <a:r>
+              <a:rPr lang="ko-KR" altLang="en-US" dirty="0">
+                <a:solidFill>
+                  <a:schemeClr val="bg1">
+                    <a:lumMod val="65000"/>
+                  </a:schemeClr>
+                </a:solidFill>
+              </a:rPr>
+              <a:t> </a:t>
+            </a:r>
+            <a:r>
+              <a:rPr lang="en-US" altLang="ko-KR" dirty="0">
+                <a:solidFill>
+                  <a:schemeClr val="bg1">
+                    <a:lumMod val="65000"/>
+                  </a:schemeClr>
+                </a:solidFill>
+              </a:rPr>
+              <a:t>Float</a:t>
+            </a:r>
+            <a:endParaRPr lang="en-US" dirty="0">
               <a:solidFill>
-                <a:srgbClr val="000000"/>
+                <a:schemeClr val="bg1">
+                  <a:lumMod val="65000"/>
+                </a:schemeClr>
               </a:solidFill>
-              <a:latin typeface="Consolas" panose="020B0609020204030204" pitchFamily="49" charset="0"/>
-            </a:endParaRPr>
-          </a:p>
-          <a:p>
-            <a:r>
-              <a:rPr lang="en-US" sz="2000" dirty="0">
-                <a:solidFill>
-                  <a:srgbClr val="000000"/>
-                </a:solidFill>
-                <a:latin typeface="Consolas" panose="020B0609020204030204" pitchFamily="49" charset="0"/>
-              </a:rPr>
-              <a:t>name = </a:t>
-            </a:r>
-            <a:r>
-              <a:rPr lang="en-US" sz="2000" dirty="0">
-                <a:solidFill>
-                  <a:srgbClr val="A31515"/>
-                </a:solidFill>
-                <a:latin typeface="Consolas" panose="020B0609020204030204" pitchFamily="49" charset="0"/>
-              </a:rPr>
-              <a:t>'Swaroop’</a:t>
-            </a:r>
-            <a:endParaRPr lang="en-US" sz="2000" dirty="0">
-              <a:solidFill>
-                <a:srgbClr val="000000"/>
-              </a:solidFill>
-              <a:latin typeface="Consolas" panose="020B0609020204030204" pitchFamily="49" charset="0"/>
-            </a:endParaRPr>
-          </a:p>
-          <a:p>
-            <a:endParaRPr lang="en-US" sz="2000" dirty="0">
-              <a:solidFill>
-                <a:srgbClr val="795E26"/>
-              </a:solidFill>
-              <a:latin typeface="Consolas" panose="020B0609020204030204" pitchFamily="49" charset="0"/>
-            </a:endParaRPr>
-          </a:p>
-          <a:p>
-            <a:r>
-              <a:rPr lang="en-US" sz="2000" dirty="0">
-                <a:solidFill>
-                  <a:srgbClr val="795E26"/>
-                </a:solidFill>
-                <a:latin typeface="Consolas" panose="020B0609020204030204" pitchFamily="49" charset="0"/>
-              </a:rPr>
-              <a:t>print</a:t>
-            </a:r>
-            <a:r>
-              <a:rPr lang="en-US" sz="2000" dirty="0">
-                <a:solidFill>
-                  <a:srgbClr val="000000"/>
-                </a:solidFill>
-                <a:latin typeface="Consolas" panose="020B0609020204030204" pitchFamily="49" charset="0"/>
-              </a:rPr>
-              <a:t>(</a:t>
-            </a:r>
-            <a:r>
-              <a:rPr lang="en-US" sz="2000" dirty="0">
-                <a:solidFill>
-                  <a:srgbClr val="0000FF"/>
-                </a:solidFill>
-                <a:latin typeface="Consolas" panose="020B0609020204030204" pitchFamily="49" charset="0"/>
-              </a:rPr>
-              <a:t>f</a:t>
-            </a:r>
-            <a:r>
-              <a:rPr lang="en-US" sz="2000" dirty="0">
-                <a:solidFill>
-                  <a:srgbClr val="A31515"/>
-                </a:solidFill>
-                <a:latin typeface="Consolas" panose="020B0609020204030204" pitchFamily="49" charset="0"/>
-              </a:rPr>
-              <a:t>'</a:t>
-            </a:r>
-            <a:r>
-              <a:rPr lang="en-US" sz="2000" dirty="0">
-                <a:solidFill>
-                  <a:srgbClr val="0000FF"/>
-                </a:solidFill>
-                <a:latin typeface="Consolas" panose="020B0609020204030204" pitchFamily="49" charset="0"/>
-              </a:rPr>
-              <a:t>{</a:t>
-            </a:r>
-            <a:r>
-              <a:rPr lang="en-US" sz="2000" dirty="0">
-                <a:solidFill>
-                  <a:srgbClr val="000000"/>
-                </a:solidFill>
-                <a:latin typeface="Consolas" panose="020B0609020204030204" pitchFamily="49" charset="0"/>
-              </a:rPr>
-              <a:t>name</a:t>
-            </a:r>
-            <a:r>
-              <a:rPr lang="en-US" sz="2000" dirty="0">
-                <a:solidFill>
-                  <a:srgbClr val="0000FF"/>
-                </a:solidFill>
-                <a:latin typeface="Consolas" panose="020B0609020204030204" pitchFamily="49" charset="0"/>
-              </a:rPr>
-              <a:t>}</a:t>
-            </a:r>
-            <a:r>
-              <a:rPr lang="en-US" sz="2000" dirty="0">
-                <a:solidFill>
-                  <a:srgbClr val="A31515"/>
-                </a:solidFill>
-                <a:latin typeface="Consolas" panose="020B0609020204030204" pitchFamily="49" charset="0"/>
-              </a:rPr>
-              <a:t> was </a:t>
-            </a:r>
-            <a:r>
-              <a:rPr lang="en-US" sz="2000" dirty="0">
-                <a:solidFill>
-                  <a:srgbClr val="0000FF"/>
-                </a:solidFill>
-                <a:latin typeface="Consolas" panose="020B0609020204030204" pitchFamily="49" charset="0"/>
-              </a:rPr>
-              <a:t>{</a:t>
-            </a:r>
-            <a:r>
-              <a:rPr lang="en-US" sz="2000" dirty="0">
-                <a:solidFill>
-                  <a:srgbClr val="000000"/>
-                </a:solidFill>
-                <a:latin typeface="Consolas" panose="020B0609020204030204" pitchFamily="49" charset="0"/>
-              </a:rPr>
-              <a:t>age</a:t>
-            </a:r>
-            <a:r>
-              <a:rPr lang="en-US" sz="2000" dirty="0">
-                <a:solidFill>
-                  <a:srgbClr val="0000FF"/>
-                </a:solidFill>
-                <a:latin typeface="Consolas" panose="020B0609020204030204" pitchFamily="49" charset="0"/>
-              </a:rPr>
-              <a:t>}</a:t>
-            </a:r>
-            <a:r>
-              <a:rPr lang="en-US" sz="2000" dirty="0">
-                <a:solidFill>
-                  <a:srgbClr val="A31515"/>
-                </a:solidFill>
-                <a:latin typeface="Consolas" panose="020B0609020204030204" pitchFamily="49" charset="0"/>
-              </a:rPr>
-              <a:t> years old when he wrote this book’</a:t>
-            </a:r>
-            <a:r>
-              <a:rPr lang="en-US" sz="2000" dirty="0">
-                <a:solidFill>
-                  <a:srgbClr val="000000"/>
-                </a:solidFill>
-                <a:latin typeface="Consolas" panose="020B0609020204030204" pitchFamily="49" charset="0"/>
-              </a:rPr>
-              <a:t>)</a:t>
-            </a:r>
-          </a:p>
-          <a:p>
-            <a:r>
-              <a:rPr lang="en-US" sz="2000" dirty="0">
-                <a:solidFill>
-                  <a:srgbClr val="795E26"/>
-                </a:solidFill>
-                <a:latin typeface="Consolas" panose="020B0609020204030204" pitchFamily="49" charset="0"/>
-              </a:rPr>
-              <a:t>print</a:t>
-            </a:r>
-            <a:r>
-              <a:rPr lang="en-US" sz="2000" dirty="0">
-                <a:solidFill>
-                  <a:srgbClr val="000000"/>
-                </a:solidFill>
-                <a:latin typeface="Consolas" panose="020B0609020204030204" pitchFamily="49" charset="0"/>
-              </a:rPr>
-              <a:t>(</a:t>
-            </a:r>
-            <a:r>
-              <a:rPr lang="en-US" sz="2000" dirty="0" err="1">
-                <a:solidFill>
-                  <a:srgbClr val="0000FF"/>
-                </a:solidFill>
-                <a:latin typeface="Consolas" panose="020B0609020204030204" pitchFamily="49" charset="0"/>
-              </a:rPr>
-              <a:t>f</a:t>
-            </a:r>
-            <a:r>
-              <a:rPr lang="en-US" sz="2000" dirty="0" err="1">
-                <a:solidFill>
-                  <a:srgbClr val="A31515"/>
-                </a:solidFill>
-                <a:latin typeface="Consolas" panose="020B0609020204030204" pitchFamily="49" charset="0"/>
-              </a:rPr>
-              <a:t>'Why</a:t>
-            </a:r>
-            <a:r>
-              <a:rPr lang="en-US" sz="2000" dirty="0">
-                <a:solidFill>
-                  <a:srgbClr val="A31515"/>
-                </a:solidFill>
-                <a:latin typeface="Consolas" panose="020B0609020204030204" pitchFamily="49" charset="0"/>
-              </a:rPr>
-              <a:t> is </a:t>
-            </a:r>
-            <a:r>
-              <a:rPr lang="en-US" sz="2000" dirty="0">
-                <a:solidFill>
-                  <a:srgbClr val="0000FF"/>
-                </a:solidFill>
-                <a:latin typeface="Consolas" panose="020B0609020204030204" pitchFamily="49" charset="0"/>
-              </a:rPr>
-              <a:t>{</a:t>
-            </a:r>
-            <a:r>
-              <a:rPr lang="en-US" sz="2000" dirty="0">
-                <a:solidFill>
-                  <a:srgbClr val="000000"/>
-                </a:solidFill>
-                <a:latin typeface="Consolas" panose="020B0609020204030204" pitchFamily="49" charset="0"/>
-              </a:rPr>
-              <a:t>name</a:t>
-            </a:r>
-            <a:r>
-              <a:rPr lang="en-US" sz="2000" dirty="0">
-                <a:solidFill>
-                  <a:srgbClr val="0000FF"/>
-                </a:solidFill>
-                <a:latin typeface="Consolas" panose="020B0609020204030204" pitchFamily="49" charset="0"/>
-              </a:rPr>
-              <a:t>}</a:t>
-            </a:r>
-            <a:r>
-              <a:rPr lang="en-US" sz="2000" dirty="0">
-                <a:solidFill>
-                  <a:srgbClr val="A31515"/>
-                </a:solidFill>
-                <a:latin typeface="Consolas" panose="020B0609020204030204" pitchFamily="49" charset="0"/>
-              </a:rPr>
-              <a:t> playing with that python?'</a:t>
-            </a:r>
-            <a:r>
-              <a:rPr lang="en-US" sz="2000" dirty="0">
-                <a:solidFill>
-                  <a:srgbClr val="000000"/>
-                </a:solidFill>
-                <a:latin typeface="Consolas" panose="020B0609020204030204" pitchFamily="49" charset="0"/>
-              </a:rPr>
-              <a:t>)</a:t>
-            </a:r>
-            <a:endParaRPr lang="en-US" sz="2000" b="0" dirty="0">
-              <a:solidFill>
-                <a:srgbClr val="000000"/>
-              </a:solidFill>
-              <a:effectLst/>
-              <a:latin typeface="Consolas" panose="020B0609020204030204" pitchFamily="49" charset="0"/>
             </a:endParaRPr>
           </a:p>
         </p:txBody>
@@ -5312,7 +4900,7 @@
     </p:spTree>
     <p:extLst>
       <p:ext uri="{BB962C8B-B14F-4D97-AF65-F5344CB8AC3E}">
-        <p14:creationId xmlns:p14="http://schemas.microsoft.com/office/powerpoint/2010/main" val="2016987537"/>
+        <p14:creationId xmlns:p14="http://schemas.microsoft.com/office/powerpoint/2010/main" val="1319367470"/>
       </p:ext>
     </p:extLst>
   </p:cSld>
@@ -5344,7 +4932,7 @@
           <p:cNvPr id="2" name="제목 1">
             <a:extLst>
               <a:ext uri="{FF2B5EF4-FFF2-40B4-BE49-F238E27FC236}">
-                <a16:creationId xmlns:a16="http://schemas.microsoft.com/office/drawing/2014/main" id="{29801ADE-73A7-44E1-AAFF-A8211AC1CFD4}"/>
+                <a16:creationId xmlns:a16="http://schemas.microsoft.com/office/drawing/2014/main" id="{11CFF0F1-0B0B-4A0F-B93E-ACCB4A4693FD}"/>
               </a:ext>
             </a:extLst>
           </p:cNvPr>
@@ -5355,58 +4943,63 @@
             <p:ph type="title"/>
           </p:nvPr>
         </p:nvSpPr>
-        <p:spPr>
-          <a:xfrm>
-            <a:off x="1463597" y="2202723"/>
-            <a:ext cx="9264805" cy="2452553"/>
-          </a:xfrm>
-        </p:spPr>
-        <p:txBody>
-          <a:bodyPr>
-            <a:noAutofit/>
-          </a:bodyPr>
-          <a:lstStyle/>
-          <a:p>
-            <a:pPr algn="l">
-              <a:lnSpc>
-                <a:spcPct val="150000"/>
-              </a:lnSpc>
-            </a:pPr>
-            <a:r>
-              <a:rPr lang="en-US" sz="2400" dirty="0">
-                <a:latin typeface="Consolas" panose="020B0609020204030204" pitchFamily="49" charset="0"/>
-              </a:rPr>
-              <a:t>D:\coding\python-study\02. Hello World!&gt;python 03.py</a:t>
-            </a:r>
-            <a:br>
-              <a:rPr lang="en-US" sz="2400" dirty="0">
-                <a:latin typeface="Consolas" panose="020B0609020204030204" pitchFamily="49" charset="0"/>
-              </a:rPr>
-            </a:br>
-            <a:r>
-              <a:rPr lang="en-US" sz="2400" dirty="0">
-                <a:latin typeface="Consolas" panose="020B0609020204030204" pitchFamily="49" charset="0"/>
-              </a:rPr>
-              <a:t>Swaroop was 20 years old when he wrote this book</a:t>
-            </a:r>
-            <a:br>
-              <a:rPr lang="en-US" sz="2400" dirty="0">
-                <a:latin typeface="Consolas" panose="020B0609020204030204" pitchFamily="49" charset="0"/>
-              </a:rPr>
-            </a:br>
-            <a:r>
-              <a:rPr lang="en-US" sz="2400" dirty="0">
-                <a:latin typeface="Consolas" panose="020B0609020204030204" pitchFamily="49" charset="0"/>
-              </a:rPr>
-              <a:t>Why is Swaroop playing with that python?</a:t>
-            </a:r>
+        <p:spPr/>
+        <p:txBody>
+          <a:bodyPr/>
+          <a:lstStyle/>
+          <a:p>
+            <a:r>
+              <a:rPr lang="en-US" dirty="0">
+                <a:solidFill>
+                  <a:schemeClr val="bg1">
+                    <a:lumMod val="65000"/>
+                  </a:schemeClr>
+                </a:solidFill>
+              </a:rPr>
+              <a:t>Integer</a:t>
+            </a:r>
+            <a:r>
+              <a:rPr lang="ko-KR" altLang="en-US" dirty="0">
+                <a:solidFill>
+                  <a:schemeClr val="bg1">
+                    <a:lumMod val="65000"/>
+                  </a:schemeClr>
+                </a:solidFill>
+              </a:rPr>
+              <a:t>  </a:t>
+            </a:r>
+            <a:r>
+              <a:rPr lang="en-US" altLang="ko-KR" dirty="0">
+                <a:solidFill>
+                  <a:schemeClr val="bg1">
+                    <a:lumMod val="65000"/>
+                  </a:schemeClr>
+                </a:solidFill>
+              </a:rPr>
+              <a:t>&amp; </a:t>
+            </a:r>
+            <a:r>
+              <a:rPr lang="ko-KR" altLang="en-US" dirty="0">
+                <a:solidFill>
+                  <a:schemeClr val="bg1">
+                    <a:lumMod val="65000"/>
+                  </a:schemeClr>
+                </a:solidFill>
+              </a:rPr>
+              <a:t> </a:t>
+            </a:r>
+            <a:r>
+              <a:rPr lang="en-US" altLang="ko-KR" dirty="0"/>
+              <a:t>Float</a:t>
+            </a:r>
+            <a:endParaRPr lang="en-US" dirty="0"/>
           </a:p>
         </p:txBody>
       </p:sp>
     </p:spTree>
     <p:extLst>
       <p:ext uri="{BB962C8B-B14F-4D97-AF65-F5344CB8AC3E}">
-        <p14:creationId xmlns:p14="http://schemas.microsoft.com/office/powerpoint/2010/main" val="2983198112"/>
+        <p14:creationId xmlns:p14="http://schemas.microsoft.com/office/powerpoint/2010/main" val="1180817929"/>
       </p:ext>
     </p:extLst>
   </p:cSld>
@@ -5435,10 +5028,10 @@
       </p:grpSpPr>
       <p:sp>
         <p:nvSpPr>
-          <p:cNvPr id="4" name="제목 1">
-            <a:extLst>
-              <a:ext uri="{FF2B5EF4-FFF2-40B4-BE49-F238E27FC236}">
-                <a16:creationId xmlns:a16="http://schemas.microsoft.com/office/drawing/2014/main" id="{E18B1006-EEA7-450B-9BE5-11F4441D2312}"/>
+          <p:cNvPr id="2" name="제목 1">
+            <a:extLst>
+              <a:ext uri="{FF2B5EF4-FFF2-40B4-BE49-F238E27FC236}">
+                <a16:creationId xmlns:a16="http://schemas.microsoft.com/office/drawing/2014/main" id="{C6B9D964-2DCA-4720-98F1-CB38F94C4A76}"/>
               </a:ext>
             </a:extLst>
           </p:cNvPr>
@@ -5451,343 +5044,44 @@
         </p:nvSpPr>
         <p:spPr>
           <a:xfrm>
-            <a:off x="863755" y="3170643"/>
-            <a:ext cx="10464490" cy="2452553"/>
+            <a:off x="838200" y="2303084"/>
+            <a:ext cx="10515600" cy="2251831"/>
           </a:xfrm>
         </p:spPr>
         <p:txBody>
           <a:bodyPr>
-            <a:noAutofit/>
+            <a:normAutofit/>
           </a:bodyPr>
           <a:lstStyle/>
           <a:p>
-            <a:pPr algn="l">
+            <a:pPr>
               <a:lnSpc>
                 <a:spcPct val="150000"/>
               </a:lnSpc>
             </a:pPr>
             <a:r>
-              <a:rPr lang="en-US" sz="2400" dirty="0">
-                <a:latin typeface="Consolas" panose="020B0609020204030204" pitchFamily="49" charset="0"/>
-              </a:rPr>
-              <a:t>Swaroop was 20 years old when he wrote this book</a:t>
+              <a:rPr lang="en-US" dirty="0"/>
+              <a:t>Strings</a:t>
             </a:r>
             <a:br>
-              <a:rPr lang="en-US" sz="2400" dirty="0">
-                <a:latin typeface="Consolas" panose="020B0609020204030204" pitchFamily="49" charset="0"/>
-              </a:rPr>
+              <a:rPr lang="en-US" dirty="0"/>
             </a:br>
             <a:r>
-              <a:rPr lang="en-US" sz="2400" dirty="0">
-                <a:latin typeface="Consolas" panose="020B0609020204030204" pitchFamily="49" charset="0"/>
-              </a:rPr>
-              <a:t>Why is Swaroop playing with that python?</a:t>
-            </a:r>
-          </a:p>
-        </p:txBody>
-      </p:sp>
-      <p:sp>
-        <p:nvSpPr>
-          <p:cNvPr id="6" name="직사각형 5">
-            <a:extLst>
-              <a:ext uri="{FF2B5EF4-FFF2-40B4-BE49-F238E27FC236}">
-                <a16:creationId xmlns:a16="http://schemas.microsoft.com/office/drawing/2014/main" id="{1046B498-C249-4225-95DE-1C4496B09214}"/>
-              </a:ext>
-            </a:extLst>
-          </p:cNvPr>
-          <p:cNvSpPr/>
-          <p:nvPr/>
-        </p:nvSpPr>
-        <p:spPr>
-          <a:xfrm>
-            <a:off x="863756" y="1234804"/>
-            <a:ext cx="10307908" cy="1631216"/>
-          </a:xfrm>
-          <a:prstGeom prst="rect">
-            <a:avLst/>
-          </a:prstGeom>
-        </p:spPr>
-        <p:txBody>
-          <a:bodyPr wrap="square">
-            <a:spAutoFit/>
-          </a:bodyPr>
-          <a:lstStyle/>
-          <a:p>
-            <a:r>
-              <a:rPr lang="en-US" sz="2000" dirty="0">
-                <a:solidFill>
-                  <a:srgbClr val="000000"/>
-                </a:solidFill>
-                <a:latin typeface="Consolas" panose="020B0609020204030204" pitchFamily="49" charset="0"/>
-              </a:rPr>
-              <a:t>age = </a:t>
-            </a:r>
-            <a:r>
-              <a:rPr lang="en-US" sz="2000" dirty="0">
-                <a:solidFill>
-                  <a:srgbClr val="09885A"/>
-                </a:solidFill>
-                <a:latin typeface="Consolas" panose="020B0609020204030204" pitchFamily="49" charset="0"/>
-              </a:rPr>
-              <a:t>20</a:t>
-            </a:r>
-            <a:endParaRPr lang="en-US" sz="2000" dirty="0">
+              <a:rPr lang="ko-KR" altLang="en-US" sz="2800" dirty="0">
+                <a:solidFill>
+                  <a:schemeClr val="bg1">
+                    <a:lumMod val="65000"/>
+                  </a:schemeClr>
+                </a:solidFill>
+              </a:rPr>
+              <a:t>문자열</a:t>
+            </a:r>
+            <a:endParaRPr lang="en-US" dirty="0">
               <a:solidFill>
-                <a:srgbClr val="000000"/>
+                <a:schemeClr val="bg1">
+                  <a:lumMod val="65000"/>
+                </a:schemeClr>
               </a:solidFill>
-              <a:latin typeface="Consolas" panose="020B0609020204030204" pitchFamily="49" charset="0"/>
-            </a:endParaRPr>
-          </a:p>
-          <a:p>
-            <a:r>
-              <a:rPr lang="en-US" sz="2000" dirty="0">
-                <a:solidFill>
-                  <a:srgbClr val="000000"/>
-                </a:solidFill>
-                <a:latin typeface="Consolas" panose="020B0609020204030204" pitchFamily="49" charset="0"/>
-              </a:rPr>
-              <a:t>name = </a:t>
-            </a:r>
-            <a:r>
-              <a:rPr lang="en-US" sz="2000" dirty="0">
-                <a:solidFill>
-                  <a:srgbClr val="A31515"/>
-                </a:solidFill>
-                <a:latin typeface="Consolas" panose="020B0609020204030204" pitchFamily="49" charset="0"/>
-              </a:rPr>
-              <a:t>'Swaroop’</a:t>
-            </a:r>
-            <a:endParaRPr lang="en-US" sz="2000" dirty="0">
-              <a:solidFill>
-                <a:srgbClr val="000000"/>
-              </a:solidFill>
-              <a:latin typeface="Consolas" panose="020B0609020204030204" pitchFamily="49" charset="0"/>
-            </a:endParaRPr>
-          </a:p>
-          <a:p>
-            <a:endParaRPr lang="en-US" sz="2000" dirty="0">
-              <a:solidFill>
-                <a:srgbClr val="795E26"/>
-              </a:solidFill>
-              <a:latin typeface="Consolas" panose="020B0609020204030204" pitchFamily="49" charset="0"/>
-            </a:endParaRPr>
-          </a:p>
-          <a:p>
-            <a:r>
-              <a:rPr lang="en-US" sz="2000" dirty="0">
-                <a:solidFill>
-                  <a:srgbClr val="795E26"/>
-                </a:solidFill>
-                <a:latin typeface="Consolas" panose="020B0609020204030204" pitchFamily="49" charset="0"/>
-              </a:rPr>
-              <a:t>print</a:t>
-            </a:r>
-            <a:r>
-              <a:rPr lang="en-US" sz="2000" dirty="0">
-                <a:solidFill>
-                  <a:srgbClr val="000000"/>
-                </a:solidFill>
-                <a:latin typeface="Consolas" panose="020B0609020204030204" pitchFamily="49" charset="0"/>
-              </a:rPr>
-              <a:t>(</a:t>
-            </a:r>
-            <a:r>
-              <a:rPr lang="en-US" sz="2000" dirty="0">
-                <a:solidFill>
-                  <a:srgbClr val="0000FF"/>
-                </a:solidFill>
-                <a:latin typeface="Consolas" panose="020B0609020204030204" pitchFamily="49" charset="0"/>
-              </a:rPr>
-              <a:t>f</a:t>
-            </a:r>
-            <a:r>
-              <a:rPr lang="en-US" sz="2000" dirty="0">
-                <a:solidFill>
-                  <a:srgbClr val="A31515"/>
-                </a:solidFill>
-                <a:latin typeface="Consolas" panose="020B0609020204030204" pitchFamily="49" charset="0"/>
-              </a:rPr>
-              <a:t>'</a:t>
-            </a:r>
-            <a:r>
-              <a:rPr lang="en-US" sz="2000" dirty="0">
-                <a:solidFill>
-                  <a:srgbClr val="0000FF"/>
-                </a:solidFill>
-                <a:latin typeface="Consolas" panose="020B0609020204030204" pitchFamily="49" charset="0"/>
-              </a:rPr>
-              <a:t>{</a:t>
-            </a:r>
-            <a:r>
-              <a:rPr lang="en-US" sz="2000" dirty="0">
-                <a:solidFill>
-                  <a:srgbClr val="000000"/>
-                </a:solidFill>
-                <a:latin typeface="Consolas" panose="020B0609020204030204" pitchFamily="49" charset="0"/>
-              </a:rPr>
-              <a:t>name</a:t>
-            </a:r>
-            <a:r>
-              <a:rPr lang="en-US" sz="2000" dirty="0">
-                <a:solidFill>
-                  <a:srgbClr val="0000FF"/>
-                </a:solidFill>
-                <a:latin typeface="Consolas" panose="020B0609020204030204" pitchFamily="49" charset="0"/>
-              </a:rPr>
-              <a:t>}</a:t>
-            </a:r>
-            <a:r>
-              <a:rPr lang="en-US" sz="2000" dirty="0">
-                <a:solidFill>
-                  <a:srgbClr val="A31515"/>
-                </a:solidFill>
-                <a:latin typeface="Consolas" panose="020B0609020204030204" pitchFamily="49" charset="0"/>
-              </a:rPr>
-              <a:t> was </a:t>
-            </a:r>
-            <a:r>
-              <a:rPr lang="en-US" sz="2000" dirty="0">
-                <a:solidFill>
-                  <a:srgbClr val="0000FF"/>
-                </a:solidFill>
-                <a:latin typeface="Consolas" panose="020B0609020204030204" pitchFamily="49" charset="0"/>
-              </a:rPr>
-              <a:t>{</a:t>
-            </a:r>
-            <a:r>
-              <a:rPr lang="en-US" sz="2000" dirty="0">
-                <a:solidFill>
-                  <a:srgbClr val="000000"/>
-                </a:solidFill>
-                <a:latin typeface="Consolas" panose="020B0609020204030204" pitchFamily="49" charset="0"/>
-              </a:rPr>
-              <a:t>age</a:t>
-            </a:r>
-            <a:r>
-              <a:rPr lang="en-US" sz="2000" dirty="0">
-                <a:solidFill>
-                  <a:srgbClr val="0000FF"/>
-                </a:solidFill>
-                <a:latin typeface="Consolas" panose="020B0609020204030204" pitchFamily="49" charset="0"/>
-              </a:rPr>
-              <a:t>}</a:t>
-            </a:r>
-            <a:r>
-              <a:rPr lang="en-US" sz="2000" dirty="0">
-                <a:solidFill>
-                  <a:srgbClr val="A31515"/>
-                </a:solidFill>
-                <a:latin typeface="Consolas" panose="020B0609020204030204" pitchFamily="49" charset="0"/>
-              </a:rPr>
-              <a:t> years old when he wrote this book’</a:t>
-            </a:r>
-            <a:r>
-              <a:rPr lang="en-US" sz="2000" dirty="0">
-                <a:solidFill>
-                  <a:srgbClr val="000000"/>
-                </a:solidFill>
-                <a:latin typeface="Consolas" panose="020B0609020204030204" pitchFamily="49" charset="0"/>
-              </a:rPr>
-              <a:t>)</a:t>
-            </a:r>
-          </a:p>
-          <a:p>
-            <a:r>
-              <a:rPr lang="en-US" sz="2000" dirty="0">
-                <a:solidFill>
-                  <a:srgbClr val="795E26"/>
-                </a:solidFill>
-                <a:latin typeface="Consolas" panose="020B0609020204030204" pitchFamily="49" charset="0"/>
-              </a:rPr>
-              <a:t>print</a:t>
-            </a:r>
-            <a:r>
-              <a:rPr lang="en-US" sz="2000" dirty="0">
-                <a:solidFill>
-                  <a:srgbClr val="000000"/>
-                </a:solidFill>
-                <a:latin typeface="Consolas" panose="020B0609020204030204" pitchFamily="49" charset="0"/>
-              </a:rPr>
-              <a:t>(</a:t>
-            </a:r>
-            <a:r>
-              <a:rPr lang="en-US" sz="2000" dirty="0" err="1">
-                <a:solidFill>
-                  <a:srgbClr val="0000FF"/>
-                </a:solidFill>
-                <a:latin typeface="Consolas" panose="020B0609020204030204" pitchFamily="49" charset="0"/>
-              </a:rPr>
-              <a:t>f</a:t>
-            </a:r>
-            <a:r>
-              <a:rPr lang="en-US" sz="2000" dirty="0" err="1">
-                <a:solidFill>
-                  <a:srgbClr val="A31515"/>
-                </a:solidFill>
-                <a:latin typeface="Consolas" panose="020B0609020204030204" pitchFamily="49" charset="0"/>
-              </a:rPr>
-              <a:t>'Why</a:t>
-            </a:r>
-            <a:r>
-              <a:rPr lang="en-US" sz="2000" dirty="0">
-                <a:solidFill>
-                  <a:srgbClr val="A31515"/>
-                </a:solidFill>
-                <a:latin typeface="Consolas" panose="020B0609020204030204" pitchFamily="49" charset="0"/>
-              </a:rPr>
-              <a:t> is </a:t>
-            </a:r>
-            <a:r>
-              <a:rPr lang="en-US" sz="2000" dirty="0">
-                <a:solidFill>
-                  <a:srgbClr val="0000FF"/>
-                </a:solidFill>
-                <a:latin typeface="Consolas" panose="020B0609020204030204" pitchFamily="49" charset="0"/>
-              </a:rPr>
-              <a:t>{</a:t>
-            </a:r>
-            <a:r>
-              <a:rPr lang="en-US" sz="2000" dirty="0">
-                <a:solidFill>
-                  <a:srgbClr val="000000"/>
-                </a:solidFill>
-                <a:latin typeface="Consolas" panose="020B0609020204030204" pitchFamily="49" charset="0"/>
-              </a:rPr>
-              <a:t>name</a:t>
-            </a:r>
-            <a:r>
-              <a:rPr lang="en-US" sz="2000" dirty="0">
-                <a:solidFill>
-                  <a:srgbClr val="0000FF"/>
-                </a:solidFill>
-                <a:latin typeface="Consolas" panose="020B0609020204030204" pitchFamily="49" charset="0"/>
-              </a:rPr>
-              <a:t>}</a:t>
-            </a:r>
-            <a:r>
-              <a:rPr lang="en-US" sz="2000" dirty="0">
-                <a:solidFill>
-                  <a:srgbClr val="A31515"/>
-                </a:solidFill>
-                <a:latin typeface="Consolas" panose="020B0609020204030204" pitchFamily="49" charset="0"/>
-              </a:rPr>
-              <a:t> playing with that python?'</a:t>
-            </a:r>
-            <a:r>
-              <a:rPr lang="en-US" sz="2000" dirty="0">
-                <a:solidFill>
-                  <a:srgbClr val="000000"/>
-                </a:solidFill>
-                <a:latin typeface="Consolas" panose="020B0609020204030204" pitchFamily="49" charset="0"/>
-              </a:rPr>
-              <a:t>)</a:t>
-            </a:r>
-            <a:endParaRPr lang="en-US" sz="2000" b="0" dirty="0">
-              <a:solidFill>
-                <a:srgbClr val="000000"/>
-              </a:solidFill>
-              <a:effectLst/>
-              <a:latin typeface="Consolas" panose="020B0609020204030204" pitchFamily="49" charset="0"/>
             </a:endParaRPr>
           </a:p>
         </p:txBody>
@@ -5795,7 +5089,7 @@
     </p:spTree>
     <p:extLst>
       <p:ext uri="{BB962C8B-B14F-4D97-AF65-F5344CB8AC3E}">
-        <p14:creationId xmlns:p14="http://schemas.microsoft.com/office/powerpoint/2010/main" val="2675677103"/>
+        <p14:creationId xmlns:p14="http://schemas.microsoft.com/office/powerpoint/2010/main" val="2546093749"/>
       </p:ext>
     </p:extLst>
   </p:cSld>
@@ -5827,7 +5121,7 @@
           <p:cNvPr id="2" name="제목 1">
             <a:extLst>
               <a:ext uri="{FF2B5EF4-FFF2-40B4-BE49-F238E27FC236}">
-                <a16:creationId xmlns:a16="http://schemas.microsoft.com/office/drawing/2014/main" id="{C6B9D964-2DCA-4720-98F1-CB38F94C4A76}"/>
+                <a16:creationId xmlns:a16="http://schemas.microsoft.com/office/drawing/2014/main" id="{3F80729C-5866-4CF9-82DA-712B9DC0E16E}"/>
               </a:ext>
             </a:extLst>
           </p:cNvPr>
@@ -5837,55 +5131,131 @@
           <p:nvPr>
             <p:ph type="title"/>
           </p:nvPr>
+        </p:nvSpPr>
+        <p:spPr/>
+        <p:txBody>
+          <a:bodyPr/>
+          <a:lstStyle/>
+          <a:p>
+            <a:r>
+              <a:rPr lang="en-US" dirty="0"/>
+              <a:t>“   ”</a:t>
+            </a:r>
+          </a:p>
+        </p:txBody>
+      </p:sp>
+      <p:sp>
+        <p:nvSpPr>
+          <p:cNvPr id="3" name="제목 1">
+            <a:extLst>
+              <a:ext uri="{FF2B5EF4-FFF2-40B4-BE49-F238E27FC236}">
+                <a16:creationId xmlns:a16="http://schemas.microsoft.com/office/drawing/2014/main" id="{2E05A63E-6182-4180-8CB1-F6C037E6E07A}"/>
+              </a:ext>
+            </a:extLst>
+          </p:cNvPr>
+          <p:cNvSpPr txBox="1">
+            <a:spLocks/>
+          </p:cNvSpPr>
+          <p:nvPr/>
         </p:nvSpPr>
         <p:spPr>
           <a:xfrm>
-            <a:off x="838200" y="2303084"/>
-            <a:ext cx="10515600" cy="2251831"/>
+            <a:off x="838200" y="1271239"/>
+            <a:ext cx="10515600" cy="1325563"/>
           </a:xfrm>
+          <a:prstGeom prst="rect">
+            <a:avLst/>
+          </a:prstGeom>
         </p:spPr>
         <p:txBody>
-          <a:bodyPr>
+          <a:bodyPr vert="horz" lIns="91440" tIns="45720" rIns="91440" bIns="45720" rtlCol="0" anchor="ctr">
             <a:normAutofit/>
           </a:bodyPr>
-          <a:lstStyle/>
-          <a:p>
-            <a:pPr>
+          <a:lstStyle>
+            <a:lvl1pPr algn="ctr" defTabSz="914400" rtl="0" eaLnBrk="1" latinLnBrk="0" hangingPunct="1">
               <a:lnSpc>
-                <a:spcPct val="150000"/>
+                <a:spcPct val="90000"/>
               </a:lnSpc>
-            </a:pPr>
+              <a:spcBef>
+                <a:spcPct val="0"/>
+              </a:spcBef>
+              <a:buNone/>
+              <a:defRPr sz="4400" kern="1200">
+                <a:solidFill>
+                  <a:schemeClr val="tx1"/>
+                </a:solidFill>
+                <a:latin typeface="Sandoll 고딕Neo3 04 Medium" panose="020B0600000101010101" pitchFamily="34" charset="-127"/>
+                <a:ea typeface="Sandoll 고딕Neo3 04 Medium" panose="020B0600000101010101" pitchFamily="34" charset="-127"/>
+                <a:cs typeface="+mj-cs"/>
+              </a:defRPr>
+            </a:lvl1pPr>
+          </a:lstStyle>
+          <a:p>
             <a:r>
               <a:rPr lang="en-US" dirty="0"/>
-              <a:t>Escape Sequences</a:t>
-            </a:r>
-            <a:br>
+              <a:t>‘   ’</a:t>
+            </a:r>
+          </a:p>
+        </p:txBody>
+      </p:sp>
+      <p:sp>
+        <p:nvSpPr>
+          <p:cNvPr id="4" name="제목 1">
+            <a:extLst>
+              <a:ext uri="{FF2B5EF4-FFF2-40B4-BE49-F238E27FC236}">
+                <a16:creationId xmlns:a16="http://schemas.microsoft.com/office/drawing/2014/main" id="{A750D358-88CE-4B43-AA52-CA04C5C4B6FC}"/>
+              </a:ext>
+            </a:extLst>
+          </p:cNvPr>
+          <p:cNvSpPr txBox="1">
+            <a:spLocks/>
+          </p:cNvSpPr>
+          <p:nvPr/>
+        </p:nvSpPr>
+        <p:spPr>
+          <a:xfrm>
+            <a:off x="838200" y="4261197"/>
+            <a:ext cx="10515600" cy="1325563"/>
+          </a:xfrm>
+          <a:prstGeom prst="rect">
+            <a:avLst/>
+          </a:prstGeom>
+        </p:spPr>
+        <p:txBody>
+          <a:bodyPr vert="horz" lIns="91440" tIns="45720" rIns="91440" bIns="45720" rtlCol="0" anchor="ctr">
+            <a:normAutofit/>
+          </a:bodyPr>
+          <a:lstStyle>
+            <a:lvl1pPr algn="ctr" defTabSz="914400" rtl="0" eaLnBrk="1" latinLnBrk="0" hangingPunct="1">
+              <a:lnSpc>
+                <a:spcPct val="90000"/>
+              </a:lnSpc>
+              <a:spcBef>
+                <a:spcPct val="0"/>
+              </a:spcBef>
+              <a:buNone/>
+              <a:defRPr sz="4400" kern="1200">
+                <a:solidFill>
+                  <a:schemeClr val="tx1"/>
+                </a:solidFill>
+                <a:latin typeface="Sandoll 고딕Neo3 04 Medium" panose="020B0600000101010101" pitchFamily="34" charset="-127"/>
+                <a:ea typeface="Sandoll 고딕Neo3 04 Medium" panose="020B0600000101010101" pitchFamily="34" charset="-127"/>
+                <a:cs typeface="+mj-cs"/>
+              </a:defRPr>
+            </a:lvl1pPr>
+          </a:lstStyle>
+          <a:p>
+            <a:r>
               <a:rPr lang="en-US" dirty="0"/>
-            </a:br>
-            <a:r>
-              <a:rPr lang="ko-KR" altLang="en-US" sz="2800" dirty="0">
-                <a:solidFill>
-                  <a:schemeClr val="bg1">
-                    <a:lumMod val="65000"/>
-                  </a:schemeClr>
-                </a:solidFill>
-              </a:rPr>
-              <a:t>이스케이프 문자</a:t>
-            </a:r>
-            <a:endParaRPr lang="en-US" dirty="0">
-              <a:solidFill>
-                <a:schemeClr val="bg1">
-                  <a:lumMod val="65000"/>
-                </a:schemeClr>
-              </a:solidFill>
-            </a:endParaRPr>
+              <a:t>“““   ”””</a:t>
+            </a:r>
           </a:p>
         </p:txBody>
       </p:sp>
     </p:spTree>
     <p:extLst>
       <p:ext uri="{BB962C8B-B14F-4D97-AF65-F5344CB8AC3E}">
-        <p14:creationId xmlns:p14="http://schemas.microsoft.com/office/powerpoint/2010/main" val="2601478174"/>
+        <p14:creationId xmlns:p14="http://schemas.microsoft.com/office/powerpoint/2010/main" val="762797356"/>
       </p:ext>
     </p:extLst>
   </p:cSld>
@@ -6005,7 +5375,7 @@
             </a:pPr>
             <a:r>
               <a:rPr lang="en-US" dirty="0"/>
-              <a:t>Variable</a:t>
+              <a:t>The Format Method</a:t>
             </a:r>
             <a:br>
               <a:rPr lang="en-US" dirty="0"/>
@@ -6018,7 +5388,17 @@
                   </a:schemeClr>
                 </a:solidFill>
               </a:rPr>
-              <a:t>변수</a:t>
+              <a:t>문자열 </a:t>
+            </a:r>
+            <a:r>
+              <a:rPr lang="ko-KR" altLang="en-US" sz="2800" dirty="0" err="1">
+                <a:solidFill>
+                  <a:schemeClr val="bg1">
+                    <a:lumMod val="65000"/>
+                  </a:schemeClr>
+                </a:solidFill>
+              </a:rPr>
+              <a:t>포맷팅</a:t>
             </a:r>
             <a:endParaRPr lang="en-US" dirty="0">
               <a:solidFill>
@@ -6033,7 +5413,7 @@
     </p:spTree>
     <p:extLst>
       <p:ext uri="{BB962C8B-B14F-4D97-AF65-F5344CB8AC3E}">
-        <p14:creationId xmlns:p14="http://schemas.microsoft.com/office/powerpoint/2010/main" val="3022726148"/>
+        <p14:creationId xmlns:p14="http://schemas.microsoft.com/office/powerpoint/2010/main" val="1079396926"/>
       </p:ext>
     </p:extLst>
   </p:cSld>
@@ -6043,7 +5423,7 @@
 </p:sld>
 </file>
 
-<file path=ppt/slides/slide3.xml><?xml version="1.0" encoding="utf-8"?>
+<file path=ppt/slides/slide21.xml><?xml version="1.0" encoding="utf-8"?>
 <p:sld xmlns:a="http://schemas.openxmlformats.org/drawingml/2006/main" xmlns:r="http://schemas.openxmlformats.org/officeDocument/2006/relationships" xmlns:p="http://schemas.openxmlformats.org/presentationml/2006/main">
   <p:cSld>
     <p:spTree>
@@ -6062,36 +5442,1038 @@
       </p:grpSpPr>
       <p:sp>
         <p:nvSpPr>
-          <p:cNvPr id="2" name="제목 1">
-            <a:extLst>
-              <a:ext uri="{FF2B5EF4-FFF2-40B4-BE49-F238E27FC236}">
-                <a16:creationId xmlns:a16="http://schemas.microsoft.com/office/drawing/2014/main" id="{8FC2B303-A701-4BC1-A1DE-41ACB8647B4D}"/>
-              </a:ext>
-            </a:extLst>
-          </p:cNvPr>
-          <p:cNvSpPr>
-            <a:spLocks noGrp="1"/>
-          </p:cNvSpPr>
-          <p:nvPr>
-            <p:ph type="title"/>
-          </p:nvPr>
-        </p:nvSpPr>
-        <p:spPr/>
-        <p:txBody>
-          <a:bodyPr/>
-          <a:lstStyle/>
-          <a:p>
-            <a:r>
-              <a:rPr lang="en-US" dirty="0"/>
-              <a:t>Hello, Atom!</a:t>
-            </a:r>
+          <p:cNvPr id="4" name="직사각형 3">
+            <a:extLst>
+              <a:ext uri="{FF2B5EF4-FFF2-40B4-BE49-F238E27FC236}">
+                <a16:creationId xmlns:a16="http://schemas.microsoft.com/office/drawing/2014/main" id="{FABD3097-78AA-4C51-9412-2EB572881367}"/>
+              </a:ext>
+            </a:extLst>
+          </p:cNvPr>
+          <p:cNvSpPr/>
+          <p:nvPr/>
+        </p:nvSpPr>
+        <p:spPr>
+          <a:xfrm>
+            <a:off x="1020336" y="2613392"/>
+            <a:ext cx="10151327" cy="1631216"/>
+          </a:xfrm>
+          <a:prstGeom prst="rect">
+            <a:avLst/>
+          </a:prstGeom>
+        </p:spPr>
+        <p:txBody>
+          <a:bodyPr wrap="square">
+            <a:spAutoFit/>
+          </a:bodyPr>
+          <a:lstStyle/>
+          <a:p>
+            <a:r>
+              <a:rPr lang="en-US" sz="2000" dirty="0">
+                <a:solidFill>
+                  <a:srgbClr val="000000"/>
+                </a:solidFill>
+                <a:latin typeface="Consolas" panose="020B0609020204030204" pitchFamily="49" charset="0"/>
+              </a:rPr>
+              <a:t>age = </a:t>
+            </a:r>
+            <a:r>
+              <a:rPr lang="en-US" sz="2000" dirty="0">
+                <a:solidFill>
+                  <a:srgbClr val="09885A"/>
+                </a:solidFill>
+                <a:latin typeface="Consolas" panose="020B0609020204030204" pitchFamily="49" charset="0"/>
+              </a:rPr>
+              <a:t>20</a:t>
+            </a:r>
+            <a:endParaRPr lang="en-US" sz="2000" dirty="0">
+              <a:solidFill>
+                <a:srgbClr val="000000"/>
+              </a:solidFill>
+              <a:latin typeface="Consolas" panose="020B0609020204030204" pitchFamily="49" charset="0"/>
+            </a:endParaRPr>
+          </a:p>
+          <a:p>
+            <a:r>
+              <a:rPr lang="en-US" sz="2000" dirty="0">
+                <a:solidFill>
+                  <a:srgbClr val="000000"/>
+                </a:solidFill>
+                <a:latin typeface="Consolas" panose="020B0609020204030204" pitchFamily="49" charset="0"/>
+              </a:rPr>
+              <a:t>name = </a:t>
+            </a:r>
+            <a:r>
+              <a:rPr lang="en-US" sz="2000" dirty="0">
+                <a:solidFill>
+                  <a:srgbClr val="A31515"/>
+                </a:solidFill>
+                <a:latin typeface="Consolas" panose="020B0609020204030204" pitchFamily="49" charset="0"/>
+              </a:rPr>
+              <a:t>'Swaroop’</a:t>
+            </a:r>
+            <a:endParaRPr lang="en-US" sz="2000" dirty="0">
+              <a:solidFill>
+                <a:srgbClr val="000000"/>
+              </a:solidFill>
+              <a:latin typeface="Consolas" panose="020B0609020204030204" pitchFamily="49" charset="0"/>
+            </a:endParaRPr>
+          </a:p>
+          <a:p>
+            <a:endParaRPr lang="en-US" sz="2000" dirty="0">
+              <a:solidFill>
+                <a:srgbClr val="795E26"/>
+              </a:solidFill>
+              <a:latin typeface="Consolas" panose="020B0609020204030204" pitchFamily="49" charset="0"/>
+            </a:endParaRPr>
+          </a:p>
+          <a:p>
+            <a:r>
+              <a:rPr lang="en-US" sz="2000" dirty="0">
+                <a:solidFill>
+                  <a:srgbClr val="795E26"/>
+                </a:solidFill>
+                <a:latin typeface="Consolas" panose="020B0609020204030204" pitchFamily="49" charset="0"/>
+              </a:rPr>
+              <a:t>print</a:t>
+            </a:r>
+            <a:r>
+              <a:rPr lang="en-US" sz="2000" dirty="0">
+                <a:solidFill>
+                  <a:srgbClr val="000000"/>
+                </a:solidFill>
+                <a:latin typeface="Consolas" panose="020B0609020204030204" pitchFamily="49" charset="0"/>
+              </a:rPr>
+              <a:t>(</a:t>
+            </a:r>
+            <a:r>
+              <a:rPr lang="en-US" sz="2000" dirty="0">
+                <a:solidFill>
+                  <a:srgbClr val="0000FF"/>
+                </a:solidFill>
+                <a:latin typeface="Consolas" panose="020B0609020204030204" pitchFamily="49" charset="0"/>
+              </a:rPr>
+              <a:t>f</a:t>
+            </a:r>
+            <a:r>
+              <a:rPr lang="en-US" sz="2000" dirty="0">
+                <a:solidFill>
+                  <a:srgbClr val="A31515"/>
+                </a:solidFill>
+                <a:latin typeface="Consolas" panose="020B0609020204030204" pitchFamily="49" charset="0"/>
+              </a:rPr>
+              <a:t>'</a:t>
+            </a:r>
+            <a:r>
+              <a:rPr lang="en-US" sz="2000" dirty="0">
+                <a:solidFill>
+                  <a:srgbClr val="0000FF"/>
+                </a:solidFill>
+                <a:latin typeface="Consolas" panose="020B0609020204030204" pitchFamily="49" charset="0"/>
+              </a:rPr>
+              <a:t>{</a:t>
+            </a:r>
+            <a:r>
+              <a:rPr lang="en-US" sz="2000" dirty="0">
+                <a:solidFill>
+                  <a:srgbClr val="000000"/>
+                </a:solidFill>
+                <a:latin typeface="Consolas" panose="020B0609020204030204" pitchFamily="49" charset="0"/>
+              </a:rPr>
+              <a:t>name</a:t>
+            </a:r>
+            <a:r>
+              <a:rPr lang="en-US" sz="2000" dirty="0">
+                <a:solidFill>
+                  <a:srgbClr val="0000FF"/>
+                </a:solidFill>
+                <a:latin typeface="Consolas" panose="020B0609020204030204" pitchFamily="49" charset="0"/>
+              </a:rPr>
+              <a:t>}</a:t>
+            </a:r>
+            <a:r>
+              <a:rPr lang="en-US" sz="2000" dirty="0">
+                <a:solidFill>
+                  <a:srgbClr val="A31515"/>
+                </a:solidFill>
+                <a:latin typeface="Consolas" panose="020B0609020204030204" pitchFamily="49" charset="0"/>
+              </a:rPr>
+              <a:t> was </a:t>
+            </a:r>
+            <a:r>
+              <a:rPr lang="en-US" sz="2000" dirty="0">
+                <a:solidFill>
+                  <a:srgbClr val="0000FF"/>
+                </a:solidFill>
+                <a:latin typeface="Consolas" panose="020B0609020204030204" pitchFamily="49" charset="0"/>
+              </a:rPr>
+              <a:t>{</a:t>
+            </a:r>
+            <a:r>
+              <a:rPr lang="en-US" sz="2000" dirty="0">
+                <a:solidFill>
+                  <a:srgbClr val="000000"/>
+                </a:solidFill>
+                <a:latin typeface="Consolas" panose="020B0609020204030204" pitchFamily="49" charset="0"/>
+              </a:rPr>
+              <a:t>age</a:t>
+            </a:r>
+            <a:r>
+              <a:rPr lang="en-US" sz="2000" dirty="0">
+                <a:solidFill>
+                  <a:srgbClr val="0000FF"/>
+                </a:solidFill>
+                <a:latin typeface="Consolas" panose="020B0609020204030204" pitchFamily="49" charset="0"/>
+              </a:rPr>
+              <a:t>}</a:t>
+            </a:r>
+            <a:r>
+              <a:rPr lang="en-US" sz="2000" dirty="0">
+                <a:solidFill>
+                  <a:srgbClr val="A31515"/>
+                </a:solidFill>
+                <a:latin typeface="Consolas" panose="020B0609020204030204" pitchFamily="49" charset="0"/>
+              </a:rPr>
+              <a:t> years old when he wrote this book’</a:t>
+            </a:r>
+            <a:r>
+              <a:rPr lang="en-US" sz="2000" dirty="0">
+                <a:solidFill>
+                  <a:srgbClr val="000000"/>
+                </a:solidFill>
+                <a:latin typeface="Consolas" panose="020B0609020204030204" pitchFamily="49" charset="0"/>
+              </a:rPr>
+              <a:t>)</a:t>
+            </a:r>
+          </a:p>
+          <a:p>
+            <a:r>
+              <a:rPr lang="en-US" sz="2000" dirty="0">
+                <a:solidFill>
+                  <a:srgbClr val="795E26"/>
+                </a:solidFill>
+                <a:latin typeface="Consolas" panose="020B0609020204030204" pitchFamily="49" charset="0"/>
+              </a:rPr>
+              <a:t>print</a:t>
+            </a:r>
+            <a:r>
+              <a:rPr lang="en-US" sz="2000" dirty="0">
+                <a:solidFill>
+                  <a:srgbClr val="000000"/>
+                </a:solidFill>
+                <a:latin typeface="Consolas" panose="020B0609020204030204" pitchFamily="49" charset="0"/>
+              </a:rPr>
+              <a:t>(</a:t>
+            </a:r>
+            <a:r>
+              <a:rPr lang="en-US" sz="2000" dirty="0" err="1">
+                <a:solidFill>
+                  <a:srgbClr val="0000FF"/>
+                </a:solidFill>
+                <a:latin typeface="Consolas" panose="020B0609020204030204" pitchFamily="49" charset="0"/>
+              </a:rPr>
+              <a:t>f</a:t>
+            </a:r>
+            <a:r>
+              <a:rPr lang="en-US" sz="2000" dirty="0" err="1">
+                <a:solidFill>
+                  <a:srgbClr val="A31515"/>
+                </a:solidFill>
+                <a:latin typeface="Consolas" panose="020B0609020204030204" pitchFamily="49" charset="0"/>
+              </a:rPr>
+              <a:t>'Why</a:t>
+            </a:r>
+            <a:r>
+              <a:rPr lang="en-US" sz="2000" dirty="0">
+                <a:solidFill>
+                  <a:srgbClr val="A31515"/>
+                </a:solidFill>
+                <a:latin typeface="Consolas" panose="020B0609020204030204" pitchFamily="49" charset="0"/>
+              </a:rPr>
+              <a:t> is </a:t>
+            </a:r>
+            <a:r>
+              <a:rPr lang="en-US" sz="2000" dirty="0">
+                <a:solidFill>
+                  <a:srgbClr val="0000FF"/>
+                </a:solidFill>
+                <a:latin typeface="Consolas" panose="020B0609020204030204" pitchFamily="49" charset="0"/>
+              </a:rPr>
+              <a:t>{</a:t>
+            </a:r>
+            <a:r>
+              <a:rPr lang="en-US" sz="2000" dirty="0">
+                <a:solidFill>
+                  <a:srgbClr val="000000"/>
+                </a:solidFill>
+                <a:latin typeface="Consolas" panose="020B0609020204030204" pitchFamily="49" charset="0"/>
+              </a:rPr>
+              <a:t>name</a:t>
+            </a:r>
+            <a:r>
+              <a:rPr lang="en-US" sz="2000" dirty="0">
+                <a:solidFill>
+                  <a:srgbClr val="0000FF"/>
+                </a:solidFill>
+                <a:latin typeface="Consolas" panose="020B0609020204030204" pitchFamily="49" charset="0"/>
+              </a:rPr>
+              <a:t>}</a:t>
+            </a:r>
+            <a:r>
+              <a:rPr lang="en-US" sz="2000" dirty="0">
+                <a:solidFill>
+                  <a:srgbClr val="A31515"/>
+                </a:solidFill>
+                <a:latin typeface="Consolas" panose="020B0609020204030204" pitchFamily="49" charset="0"/>
+              </a:rPr>
+              <a:t> playing with that python?'</a:t>
+            </a:r>
+            <a:r>
+              <a:rPr lang="en-US" sz="2000" dirty="0">
+                <a:solidFill>
+                  <a:srgbClr val="000000"/>
+                </a:solidFill>
+                <a:latin typeface="Consolas" panose="020B0609020204030204" pitchFamily="49" charset="0"/>
+              </a:rPr>
+              <a:t>)</a:t>
+            </a:r>
+            <a:endParaRPr lang="en-US" sz="2000" b="0" dirty="0">
+              <a:solidFill>
+                <a:srgbClr val="000000"/>
+              </a:solidFill>
+              <a:effectLst/>
+              <a:latin typeface="Consolas" panose="020B0609020204030204" pitchFamily="49" charset="0"/>
+            </a:endParaRPr>
           </a:p>
         </p:txBody>
       </p:sp>
     </p:spTree>
     <p:extLst>
       <p:ext uri="{BB962C8B-B14F-4D97-AF65-F5344CB8AC3E}">
-        <p14:creationId xmlns:p14="http://schemas.microsoft.com/office/powerpoint/2010/main" val="2075325480"/>
+        <p14:creationId xmlns:p14="http://schemas.microsoft.com/office/powerpoint/2010/main" val="2016987537"/>
+      </p:ext>
+    </p:extLst>
+  </p:cSld>
+  <p:clrMapOvr>
+    <a:masterClrMapping/>
+  </p:clrMapOvr>
+</p:sld>
+</file>
+
+<file path=ppt/slides/slide22.xml><?xml version="1.0" encoding="utf-8"?>
+<p:sld xmlns:a="http://schemas.openxmlformats.org/drawingml/2006/main" xmlns:r="http://schemas.openxmlformats.org/officeDocument/2006/relationships" xmlns:p="http://schemas.openxmlformats.org/presentationml/2006/main">
+  <p:cSld>
+    <p:spTree>
+      <p:nvGrpSpPr>
+        <p:cNvPr id="1" name=""/>
+        <p:cNvGrpSpPr/>
+        <p:nvPr/>
+      </p:nvGrpSpPr>
+      <p:grpSpPr>
+        <a:xfrm>
+          <a:off x="0" y="0"/>
+          <a:ext cx="0" cy="0"/>
+          <a:chOff x="0" y="0"/>
+          <a:chExt cx="0" cy="0"/>
+        </a:xfrm>
+      </p:grpSpPr>
+      <p:sp>
+        <p:nvSpPr>
+          <p:cNvPr id="2" name="제목 1">
+            <a:extLst>
+              <a:ext uri="{FF2B5EF4-FFF2-40B4-BE49-F238E27FC236}">
+                <a16:creationId xmlns:a16="http://schemas.microsoft.com/office/drawing/2014/main" id="{29801ADE-73A7-44E1-AAFF-A8211AC1CFD4}"/>
+              </a:ext>
+            </a:extLst>
+          </p:cNvPr>
+          <p:cNvSpPr>
+            <a:spLocks noGrp="1"/>
+          </p:cNvSpPr>
+          <p:nvPr>
+            <p:ph type="title"/>
+          </p:nvPr>
+        </p:nvSpPr>
+        <p:spPr>
+          <a:xfrm>
+            <a:off x="1463597" y="2202723"/>
+            <a:ext cx="9264805" cy="2452553"/>
+          </a:xfrm>
+        </p:spPr>
+        <p:txBody>
+          <a:bodyPr>
+            <a:noAutofit/>
+          </a:bodyPr>
+          <a:lstStyle/>
+          <a:p>
+            <a:pPr algn="l">
+              <a:lnSpc>
+                <a:spcPct val="150000"/>
+              </a:lnSpc>
+            </a:pPr>
+            <a:r>
+              <a:rPr lang="en-US" sz="2400" dirty="0">
+                <a:latin typeface="Consolas" panose="020B0609020204030204" pitchFamily="49" charset="0"/>
+              </a:rPr>
+              <a:t>D:\coding\python-study\02. Hello World!&gt;python 03.py</a:t>
+            </a:r>
+            <a:br>
+              <a:rPr lang="en-US" sz="2400" dirty="0">
+                <a:latin typeface="Consolas" panose="020B0609020204030204" pitchFamily="49" charset="0"/>
+              </a:rPr>
+            </a:br>
+            <a:r>
+              <a:rPr lang="en-US" sz="2400" dirty="0">
+                <a:latin typeface="Consolas" panose="020B0609020204030204" pitchFamily="49" charset="0"/>
+              </a:rPr>
+              <a:t>Swaroop was 20 years old when he wrote this book</a:t>
+            </a:r>
+            <a:br>
+              <a:rPr lang="en-US" sz="2400" dirty="0">
+                <a:latin typeface="Consolas" panose="020B0609020204030204" pitchFamily="49" charset="0"/>
+              </a:rPr>
+            </a:br>
+            <a:r>
+              <a:rPr lang="en-US" sz="2400" dirty="0">
+                <a:latin typeface="Consolas" panose="020B0609020204030204" pitchFamily="49" charset="0"/>
+              </a:rPr>
+              <a:t>Why is Swaroop playing with that python?</a:t>
+            </a:r>
+          </a:p>
+        </p:txBody>
+      </p:sp>
+    </p:spTree>
+    <p:extLst>
+      <p:ext uri="{BB962C8B-B14F-4D97-AF65-F5344CB8AC3E}">
+        <p14:creationId xmlns:p14="http://schemas.microsoft.com/office/powerpoint/2010/main" val="2983198112"/>
+      </p:ext>
+    </p:extLst>
+  </p:cSld>
+  <p:clrMapOvr>
+    <a:masterClrMapping/>
+  </p:clrMapOvr>
+</p:sld>
+</file>
+
+<file path=ppt/slides/slide23.xml><?xml version="1.0" encoding="utf-8"?>
+<p:sld xmlns:a="http://schemas.openxmlformats.org/drawingml/2006/main" xmlns:r="http://schemas.openxmlformats.org/officeDocument/2006/relationships" xmlns:p="http://schemas.openxmlformats.org/presentationml/2006/main">
+  <p:cSld>
+    <p:spTree>
+      <p:nvGrpSpPr>
+        <p:cNvPr id="1" name=""/>
+        <p:cNvGrpSpPr/>
+        <p:nvPr/>
+      </p:nvGrpSpPr>
+      <p:grpSpPr>
+        <a:xfrm>
+          <a:off x="0" y="0"/>
+          <a:ext cx="0" cy="0"/>
+          <a:chOff x="0" y="0"/>
+          <a:chExt cx="0" cy="0"/>
+        </a:xfrm>
+      </p:grpSpPr>
+      <p:sp>
+        <p:nvSpPr>
+          <p:cNvPr id="4" name="제목 1">
+            <a:extLst>
+              <a:ext uri="{FF2B5EF4-FFF2-40B4-BE49-F238E27FC236}">
+                <a16:creationId xmlns:a16="http://schemas.microsoft.com/office/drawing/2014/main" id="{E18B1006-EEA7-450B-9BE5-11F4441D2312}"/>
+              </a:ext>
+            </a:extLst>
+          </p:cNvPr>
+          <p:cNvSpPr>
+            <a:spLocks noGrp="1"/>
+          </p:cNvSpPr>
+          <p:nvPr>
+            <p:ph type="title"/>
+          </p:nvPr>
+        </p:nvSpPr>
+        <p:spPr>
+          <a:xfrm>
+            <a:off x="863755" y="3170643"/>
+            <a:ext cx="10464490" cy="2452553"/>
+          </a:xfrm>
+        </p:spPr>
+        <p:txBody>
+          <a:bodyPr>
+            <a:noAutofit/>
+          </a:bodyPr>
+          <a:lstStyle/>
+          <a:p>
+            <a:pPr algn="l">
+              <a:lnSpc>
+                <a:spcPct val="150000"/>
+              </a:lnSpc>
+            </a:pPr>
+            <a:r>
+              <a:rPr lang="en-US" sz="2400" dirty="0">
+                <a:latin typeface="Consolas" panose="020B0609020204030204" pitchFamily="49" charset="0"/>
+              </a:rPr>
+              <a:t>Swaroop was 20 years old when he wrote this book</a:t>
+            </a:r>
+            <a:br>
+              <a:rPr lang="en-US" sz="2400" dirty="0">
+                <a:latin typeface="Consolas" panose="020B0609020204030204" pitchFamily="49" charset="0"/>
+              </a:rPr>
+            </a:br>
+            <a:r>
+              <a:rPr lang="en-US" sz="2400" dirty="0">
+                <a:latin typeface="Consolas" panose="020B0609020204030204" pitchFamily="49" charset="0"/>
+              </a:rPr>
+              <a:t>Why is Swaroop playing with that python?</a:t>
+            </a:r>
+          </a:p>
+        </p:txBody>
+      </p:sp>
+      <p:sp>
+        <p:nvSpPr>
+          <p:cNvPr id="6" name="직사각형 5">
+            <a:extLst>
+              <a:ext uri="{FF2B5EF4-FFF2-40B4-BE49-F238E27FC236}">
+                <a16:creationId xmlns:a16="http://schemas.microsoft.com/office/drawing/2014/main" id="{1046B498-C249-4225-95DE-1C4496B09214}"/>
+              </a:ext>
+            </a:extLst>
+          </p:cNvPr>
+          <p:cNvSpPr/>
+          <p:nvPr/>
+        </p:nvSpPr>
+        <p:spPr>
+          <a:xfrm>
+            <a:off x="863756" y="1234804"/>
+            <a:ext cx="10307908" cy="1631216"/>
+          </a:xfrm>
+          <a:prstGeom prst="rect">
+            <a:avLst/>
+          </a:prstGeom>
+        </p:spPr>
+        <p:txBody>
+          <a:bodyPr wrap="square">
+            <a:spAutoFit/>
+          </a:bodyPr>
+          <a:lstStyle/>
+          <a:p>
+            <a:r>
+              <a:rPr lang="en-US" sz="2000" dirty="0">
+                <a:solidFill>
+                  <a:srgbClr val="000000"/>
+                </a:solidFill>
+                <a:latin typeface="Consolas" panose="020B0609020204030204" pitchFamily="49" charset="0"/>
+              </a:rPr>
+              <a:t>age = </a:t>
+            </a:r>
+            <a:r>
+              <a:rPr lang="en-US" sz="2000" dirty="0">
+                <a:solidFill>
+                  <a:srgbClr val="09885A"/>
+                </a:solidFill>
+                <a:latin typeface="Consolas" panose="020B0609020204030204" pitchFamily="49" charset="0"/>
+              </a:rPr>
+              <a:t>20</a:t>
+            </a:r>
+            <a:endParaRPr lang="en-US" sz="2000" dirty="0">
+              <a:solidFill>
+                <a:srgbClr val="000000"/>
+              </a:solidFill>
+              <a:latin typeface="Consolas" panose="020B0609020204030204" pitchFamily="49" charset="0"/>
+            </a:endParaRPr>
+          </a:p>
+          <a:p>
+            <a:r>
+              <a:rPr lang="en-US" sz="2000" dirty="0">
+                <a:solidFill>
+                  <a:srgbClr val="000000"/>
+                </a:solidFill>
+                <a:latin typeface="Consolas" panose="020B0609020204030204" pitchFamily="49" charset="0"/>
+              </a:rPr>
+              <a:t>name = </a:t>
+            </a:r>
+            <a:r>
+              <a:rPr lang="en-US" sz="2000" dirty="0">
+                <a:solidFill>
+                  <a:srgbClr val="A31515"/>
+                </a:solidFill>
+                <a:latin typeface="Consolas" panose="020B0609020204030204" pitchFamily="49" charset="0"/>
+              </a:rPr>
+              <a:t>'Swaroop’</a:t>
+            </a:r>
+            <a:endParaRPr lang="en-US" sz="2000" dirty="0">
+              <a:solidFill>
+                <a:srgbClr val="000000"/>
+              </a:solidFill>
+              <a:latin typeface="Consolas" panose="020B0609020204030204" pitchFamily="49" charset="0"/>
+            </a:endParaRPr>
+          </a:p>
+          <a:p>
+            <a:endParaRPr lang="en-US" sz="2000" dirty="0">
+              <a:solidFill>
+                <a:srgbClr val="795E26"/>
+              </a:solidFill>
+              <a:latin typeface="Consolas" panose="020B0609020204030204" pitchFamily="49" charset="0"/>
+            </a:endParaRPr>
+          </a:p>
+          <a:p>
+            <a:r>
+              <a:rPr lang="en-US" sz="2000" dirty="0">
+                <a:solidFill>
+                  <a:srgbClr val="795E26"/>
+                </a:solidFill>
+                <a:latin typeface="Consolas" panose="020B0609020204030204" pitchFamily="49" charset="0"/>
+              </a:rPr>
+              <a:t>print</a:t>
+            </a:r>
+            <a:r>
+              <a:rPr lang="en-US" sz="2000" dirty="0">
+                <a:solidFill>
+                  <a:srgbClr val="000000"/>
+                </a:solidFill>
+                <a:latin typeface="Consolas" panose="020B0609020204030204" pitchFamily="49" charset="0"/>
+              </a:rPr>
+              <a:t>(</a:t>
+            </a:r>
+            <a:r>
+              <a:rPr lang="en-US" sz="2000" dirty="0">
+                <a:solidFill>
+                  <a:srgbClr val="0000FF"/>
+                </a:solidFill>
+                <a:latin typeface="Consolas" panose="020B0609020204030204" pitchFamily="49" charset="0"/>
+              </a:rPr>
+              <a:t>f</a:t>
+            </a:r>
+            <a:r>
+              <a:rPr lang="en-US" sz="2000" dirty="0">
+                <a:solidFill>
+                  <a:srgbClr val="A31515"/>
+                </a:solidFill>
+                <a:latin typeface="Consolas" panose="020B0609020204030204" pitchFamily="49" charset="0"/>
+              </a:rPr>
+              <a:t>'</a:t>
+            </a:r>
+            <a:r>
+              <a:rPr lang="en-US" sz="2000" dirty="0">
+                <a:solidFill>
+                  <a:srgbClr val="0000FF"/>
+                </a:solidFill>
+                <a:latin typeface="Consolas" panose="020B0609020204030204" pitchFamily="49" charset="0"/>
+              </a:rPr>
+              <a:t>{</a:t>
+            </a:r>
+            <a:r>
+              <a:rPr lang="en-US" sz="2000" dirty="0">
+                <a:solidFill>
+                  <a:srgbClr val="000000"/>
+                </a:solidFill>
+                <a:latin typeface="Consolas" panose="020B0609020204030204" pitchFamily="49" charset="0"/>
+              </a:rPr>
+              <a:t>name</a:t>
+            </a:r>
+            <a:r>
+              <a:rPr lang="en-US" sz="2000" dirty="0">
+                <a:solidFill>
+                  <a:srgbClr val="0000FF"/>
+                </a:solidFill>
+                <a:latin typeface="Consolas" panose="020B0609020204030204" pitchFamily="49" charset="0"/>
+              </a:rPr>
+              <a:t>}</a:t>
+            </a:r>
+            <a:r>
+              <a:rPr lang="en-US" sz="2000" dirty="0">
+                <a:solidFill>
+                  <a:srgbClr val="A31515"/>
+                </a:solidFill>
+                <a:latin typeface="Consolas" panose="020B0609020204030204" pitchFamily="49" charset="0"/>
+              </a:rPr>
+              <a:t> was </a:t>
+            </a:r>
+            <a:r>
+              <a:rPr lang="en-US" sz="2000" dirty="0">
+                <a:solidFill>
+                  <a:srgbClr val="0000FF"/>
+                </a:solidFill>
+                <a:latin typeface="Consolas" panose="020B0609020204030204" pitchFamily="49" charset="0"/>
+              </a:rPr>
+              <a:t>{</a:t>
+            </a:r>
+            <a:r>
+              <a:rPr lang="en-US" sz="2000" dirty="0">
+                <a:solidFill>
+                  <a:srgbClr val="000000"/>
+                </a:solidFill>
+                <a:latin typeface="Consolas" panose="020B0609020204030204" pitchFamily="49" charset="0"/>
+              </a:rPr>
+              <a:t>age</a:t>
+            </a:r>
+            <a:r>
+              <a:rPr lang="en-US" sz="2000" dirty="0">
+                <a:solidFill>
+                  <a:srgbClr val="0000FF"/>
+                </a:solidFill>
+                <a:latin typeface="Consolas" panose="020B0609020204030204" pitchFamily="49" charset="0"/>
+              </a:rPr>
+              <a:t>}</a:t>
+            </a:r>
+            <a:r>
+              <a:rPr lang="en-US" sz="2000" dirty="0">
+                <a:solidFill>
+                  <a:srgbClr val="A31515"/>
+                </a:solidFill>
+                <a:latin typeface="Consolas" panose="020B0609020204030204" pitchFamily="49" charset="0"/>
+              </a:rPr>
+              <a:t> years old when he wrote this book’</a:t>
+            </a:r>
+            <a:r>
+              <a:rPr lang="en-US" sz="2000" dirty="0">
+                <a:solidFill>
+                  <a:srgbClr val="000000"/>
+                </a:solidFill>
+                <a:latin typeface="Consolas" panose="020B0609020204030204" pitchFamily="49" charset="0"/>
+              </a:rPr>
+              <a:t>)</a:t>
+            </a:r>
+          </a:p>
+          <a:p>
+            <a:r>
+              <a:rPr lang="en-US" sz="2000" dirty="0">
+                <a:solidFill>
+                  <a:srgbClr val="795E26"/>
+                </a:solidFill>
+                <a:latin typeface="Consolas" panose="020B0609020204030204" pitchFamily="49" charset="0"/>
+              </a:rPr>
+              <a:t>print</a:t>
+            </a:r>
+            <a:r>
+              <a:rPr lang="en-US" sz="2000" dirty="0">
+                <a:solidFill>
+                  <a:srgbClr val="000000"/>
+                </a:solidFill>
+                <a:latin typeface="Consolas" panose="020B0609020204030204" pitchFamily="49" charset="0"/>
+              </a:rPr>
+              <a:t>(</a:t>
+            </a:r>
+            <a:r>
+              <a:rPr lang="en-US" sz="2000" dirty="0" err="1">
+                <a:solidFill>
+                  <a:srgbClr val="0000FF"/>
+                </a:solidFill>
+                <a:latin typeface="Consolas" panose="020B0609020204030204" pitchFamily="49" charset="0"/>
+              </a:rPr>
+              <a:t>f</a:t>
+            </a:r>
+            <a:r>
+              <a:rPr lang="en-US" sz="2000" dirty="0" err="1">
+                <a:solidFill>
+                  <a:srgbClr val="A31515"/>
+                </a:solidFill>
+                <a:latin typeface="Consolas" panose="020B0609020204030204" pitchFamily="49" charset="0"/>
+              </a:rPr>
+              <a:t>'Why</a:t>
+            </a:r>
+            <a:r>
+              <a:rPr lang="en-US" sz="2000" dirty="0">
+                <a:solidFill>
+                  <a:srgbClr val="A31515"/>
+                </a:solidFill>
+                <a:latin typeface="Consolas" panose="020B0609020204030204" pitchFamily="49" charset="0"/>
+              </a:rPr>
+              <a:t> is </a:t>
+            </a:r>
+            <a:r>
+              <a:rPr lang="en-US" sz="2000" dirty="0">
+                <a:solidFill>
+                  <a:srgbClr val="0000FF"/>
+                </a:solidFill>
+                <a:latin typeface="Consolas" panose="020B0609020204030204" pitchFamily="49" charset="0"/>
+              </a:rPr>
+              <a:t>{</a:t>
+            </a:r>
+            <a:r>
+              <a:rPr lang="en-US" sz="2000" dirty="0">
+                <a:solidFill>
+                  <a:srgbClr val="000000"/>
+                </a:solidFill>
+                <a:latin typeface="Consolas" panose="020B0609020204030204" pitchFamily="49" charset="0"/>
+              </a:rPr>
+              <a:t>name</a:t>
+            </a:r>
+            <a:r>
+              <a:rPr lang="en-US" sz="2000" dirty="0">
+                <a:solidFill>
+                  <a:srgbClr val="0000FF"/>
+                </a:solidFill>
+                <a:latin typeface="Consolas" panose="020B0609020204030204" pitchFamily="49" charset="0"/>
+              </a:rPr>
+              <a:t>}</a:t>
+            </a:r>
+            <a:r>
+              <a:rPr lang="en-US" sz="2000" dirty="0">
+                <a:solidFill>
+                  <a:srgbClr val="A31515"/>
+                </a:solidFill>
+                <a:latin typeface="Consolas" panose="020B0609020204030204" pitchFamily="49" charset="0"/>
+              </a:rPr>
+              <a:t> playing with that python?'</a:t>
+            </a:r>
+            <a:r>
+              <a:rPr lang="en-US" sz="2000" dirty="0">
+                <a:solidFill>
+                  <a:srgbClr val="000000"/>
+                </a:solidFill>
+                <a:latin typeface="Consolas" panose="020B0609020204030204" pitchFamily="49" charset="0"/>
+              </a:rPr>
+              <a:t>)</a:t>
+            </a:r>
+            <a:endParaRPr lang="en-US" sz="2000" b="0" dirty="0">
+              <a:solidFill>
+                <a:srgbClr val="000000"/>
+              </a:solidFill>
+              <a:effectLst/>
+              <a:latin typeface="Consolas" panose="020B0609020204030204" pitchFamily="49" charset="0"/>
+            </a:endParaRPr>
+          </a:p>
+        </p:txBody>
+      </p:sp>
+    </p:spTree>
+    <p:extLst>
+      <p:ext uri="{BB962C8B-B14F-4D97-AF65-F5344CB8AC3E}">
+        <p14:creationId xmlns:p14="http://schemas.microsoft.com/office/powerpoint/2010/main" val="2675677103"/>
+      </p:ext>
+    </p:extLst>
+  </p:cSld>
+  <p:clrMapOvr>
+    <a:masterClrMapping/>
+  </p:clrMapOvr>
+</p:sld>
+</file>
+
+<file path=ppt/slides/slide24.xml><?xml version="1.0" encoding="utf-8"?>
+<p:sld xmlns:a="http://schemas.openxmlformats.org/drawingml/2006/main" xmlns:r="http://schemas.openxmlformats.org/officeDocument/2006/relationships" xmlns:p="http://schemas.openxmlformats.org/presentationml/2006/main">
+  <p:cSld>
+    <p:spTree>
+      <p:nvGrpSpPr>
+        <p:cNvPr id="1" name=""/>
+        <p:cNvGrpSpPr/>
+        <p:nvPr/>
+      </p:nvGrpSpPr>
+      <p:grpSpPr>
+        <a:xfrm>
+          <a:off x="0" y="0"/>
+          <a:ext cx="0" cy="0"/>
+          <a:chOff x="0" y="0"/>
+          <a:chExt cx="0" cy="0"/>
+        </a:xfrm>
+      </p:grpSpPr>
+      <p:sp>
+        <p:nvSpPr>
+          <p:cNvPr id="2" name="제목 1">
+            <a:extLst>
+              <a:ext uri="{FF2B5EF4-FFF2-40B4-BE49-F238E27FC236}">
+                <a16:creationId xmlns:a16="http://schemas.microsoft.com/office/drawing/2014/main" id="{C6B9D964-2DCA-4720-98F1-CB38F94C4A76}"/>
+              </a:ext>
+            </a:extLst>
+          </p:cNvPr>
+          <p:cNvSpPr>
+            <a:spLocks noGrp="1"/>
+          </p:cNvSpPr>
+          <p:nvPr>
+            <p:ph type="title"/>
+          </p:nvPr>
+        </p:nvSpPr>
+        <p:spPr>
+          <a:xfrm>
+            <a:off x="838200" y="2303084"/>
+            <a:ext cx="10515600" cy="2251831"/>
+          </a:xfrm>
+        </p:spPr>
+        <p:txBody>
+          <a:bodyPr>
+            <a:normAutofit/>
+          </a:bodyPr>
+          <a:lstStyle/>
+          <a:p>
+            <a:pPr>
+              <a:lnSpc>
+                <a:spcPct val="150000"/>
+              </a:lnSpc>
+            </a:pPr>
+            <a:r>
+              <a:rPr lang="en-US" dirty="0"/>
+              <a:t>Escape Sequences</a:t>
+            </a:r>
+            <a:br>
+              <a:rPr lang="en-US" dirty="0"/>
+            </a:br>
+            <a:r>
+              <a:rPr lang="ko-KR" altLang="en-US" sz="2800" dirty="0">
+                <a:solidFill>
+                  <a:schemeClr val="bg1">
+                    <a:lumMod val="65000"/>
+                  </a:schemeClr>
+                </a:solidFill>
+              </a:rPr>
+              <a:t>이스케이프 문자</a:t>
+            </a:r>
+            <a:endParaRPr lang="en-US" dirty="0">
+              <a:solidFill>
+                <a:schemeClr val="bg1">
+                  <a:lumMod val="65000"/>
+                </a:schemeClr>
+              </a:solidFill>
+            </a:endParaRPr>
+          </a:p>
+        </p:txBody>
+      </p:sp>
+    </p:spTree>
+    <p:extLst>
+      <p:ext uri="{BB962C8B-B14F-4D97-AF65-F5344CB8AC3E}">
+        <p14:creationId xmlns:p14="http://schemas.microsoft.com/office/powerpoint/2010/main" val="2601478174"/>
+      </p:ext>
+    </p:extLst>
+  </p:cSld>
+  <p:clrMapOvr>
+    <a:masterClrMapping/>
+  </p:clrMapOvr>
+</p:sld>
+</file>
+
+<file path=ppt/slides/slide25.xml><?xml version="1.0" encoding="utf-8"?>
+<p:sld xmlns:a="http://schemas.openxmlformats.org/drawingml/2006/main" xmlns:r="http://schemas.openxmlformats.org/officeDocument/2006/relationships" xmlns:p="http://schemas.openxmlformats.org/presentationml/2006/main">
+  <p:cSld>
+    <p:spTree>
+      <p:nvGrpSpPr>
+        <p:cNvPr id="1" name=""/>
+        <p:cNvGrpSpPr/>
+        <p:nvPr/>
+      </p:nvGrpSpPr>
+      <p:grpSpPr>
+        <a:xfrm>
+          <a:off x="0" y="0"/>
+          <a:ext cx="0" cy="0"/>
+          <a:chOff x="0" y="0"/>
+          <a:chExt cx="0" cy="0"/>
+        </a:xfrm>
+      </p:grpSpPr>
+      <p:sp>
+        <p:nvSpPr>
+          <p:cNvPr id="2" name="제목 1">
+            <a:extLst>
+              <a:ext uri="{FF2B5EF4-FFF2-40B4-BE49-F238E27FC236}">
+                <a16:creationId xmlns:a16="http://schemas.microsoft.com/office/drawing/2014/main" id="{D8ECB5C7-7CFF-41CE-A623-7C932020F8BC}"/>
+              </a:ext>
+            </a:extLst>
+          </p:cNvPr>
+          <p:cNvSpPr>
+            <a:spLocks noGrp="1"/>
+          </p:cNvSpPr>
+          <p:nvPr>
+            <p:ph type="title"/>
+          </p:nvPr>
+        </p:nvSpPr>
+        <p:spPr/>
+        <p:txBody>
+          <a:bodyPr/>
+          <a:lstStyle/>
+          <a:p>
+            <a:r>
+              <a:rPr lang="en-US" dirty="0"/>
+              <a:t>\ or </a:t>
+            </a:r>
+            <a:r>
+              <a:rPr lang="en-US" dirty="0">
+                <a:latin typeface="Consolas" panose="020B0609020204030204" pitchFamily="49" charset="0"/>
+              </a:rPr>
+              <a:t>\</a:t>
+            </a:r>
+          </a:p>
+        </p:txBody>
+      </p:sp>
+    </p:spTree>
+    <p:extLst>
+      <p:ext uri="{BB962C8B-B14F-4D97-AF65-F5344CB8AC3E}">
+        <p14:creationId xmlns:p14="http://schemas.microsoft.com/office/powerpoint/2010/main" val="3614866049"/>
+      </p:ext>
+    </p:extLst>
+  </p:cSld>
+  <p:clrMapOvr>
+    <a:masterClrMapping/>
+  </p:clrMapOvr>
+</p:sld>
+</file>
+
+<file path=ppt/slides/slide3.xml><?xml version="1.0" encoding="utf-8"?>
+<p:sld xmlns:a="http://schemas.openxmlformats.org/drawingml/2006/main" xmlns:r="http://schemas.openxmlformats.org/officeDocument/2006/relationships" xmlns:p="http://schemas.openxmlformats.org/presentationml/2006/main">
+  <p:cSld>
+    <p:bg>
+      <p:bgPr>
+        <a:solidFill>
+          <a:srgbClr val="EFEBE1"/>
+        </a:solidFill>
+        <a:effectLst/>
+      </p:bgPr>
+    </p:bg>
+    <p:spTree>
+      <p:nvGrpSpPr>
+        <p:cNvPr id="1" name=""/>
+        <p:cNvGrpSpPr/>
+        <p:nvPr/>
+      </p:nvGrpSpPr>
+      <p:grpSpPr>
+        <a:xfrm>
+          <a:off x="0" y="0"/>
+          <a:ext cx="0" cy="0"/>
+          <a:chOff x="0" y="0"/>
+          <a:chExt cx="0" cy="0"/>
+        </a:xfrm>
+      </p:grpSpPr>
+      <p:pic>
+        <p:nvPicPr>
+          <p:cNvPr id="1026" name="Picture 2" descr="atomì ëí ì´ë¯¸ì§ ê²ìê²°ê³¼">
+            <a:extLst>
+              <a:ext uri="{FF2B5EF4-FFF2-40B4-BE49-F238E27FC236}">
+                <a16:creationId xmlns:a16="http://schemas.microsoft.com/office/drawing/2014/main" id="{8B9BE5D1-86B4-4393-A2CA-B9298229CC09}"/>
+              </a:ext>
+            </a:extLst>
+          </p:cNvPr>
+          <p:cNvPicPr>
+            <a:picLocks noGrp="1" noChangeAspect="1" noChangeArrowheads="1"/>
+          </p:cNvPicPr>
+          <p:nvPr>
+            <p:ph idx="1"/>
+          </p:nvPr>
+        </p:nvPicPr>
+        <p:blipFill>
+          <a:blip r:embed="rId2">
+            <a:extLst>
+              <a:ext uri="{28A0092B-C50C-407E-A947-70E740481C1C}">
+                <a14:useLocalDpi xmlns:a14="http://schemas.microsoft.com/office/drawing/2010/main" val="0"/>
+              </a:ext>
+            </a:extLst>
+          </a:blip>
+          <a:srcRect/>
+          <a:stretch>
+            <a:fillRect/>
+          </a:stretch>
+        </p:blipFill>
+        <p:spPr bwMode="auto">
+          <a:xfrm>
+            <a:off x="1950357" y="1252538"/>
+            <a:ext cx="8291285" cy="4352925"/>
+          </a:xfrm>
+          <a:prstGeom prst="rect">
+            <a:avLst/>
+          </a:prstGeom>
+          <a:noFill/>
+          <a:extLst>
+            <a:ext uri="{909E8E84-426E-40DD-AFC4-6F175D3DCCD1}">
+              <a14:hiddenFill xmlns:a14="http://schemas.microsoft.com/office/drawing/2010/main">
+                <a:solidFill>
+                  <a:srgbClr val="FFFFFF"/>
+                </a:solidFill>
+              </a14:hiddenFill>
+            </a:ext>
+          </a:extLst>
+        </p:spPr>
+      </p:pic>
+    </p:spTree>
+    <p:extLst>
+      <p:ext uri="{BB962C8B-B14F-4D97-AF65-F5344CB8AC3E}">
+        <p14:creationId xmlns:p14="http://schemas.microsoft.com/office/powerpoint/2010/main" val="1353096086"/>
       </p:ext>
     </p:extLst>
   </p:cSld>
@@ -6123,7 +6505,7 @@
           <p:cNvPr id="2" name="제목 1">
             <a:extLst>
               <a:ext uri="{FF2B5EF4-FFF2-40B4-BE49-F238E27FC236}">
-                <a16:creationId xmlns:a16="http://schemas.microsoft.com/office/drawing/2014/main" id="{A9117331-2463-4DBA-8985-163850C24118}"/>
+                <a16:creationId xmlns:a16="http://schemas.microsoft.com/office/drawing/2014/main" id="{8FC2B303-A701-4BC1-A1DE-41ACB8647B4D}"/>
               </a:ext>
             </a:extLst>
           </p:cNvPr>
@@ -6141,7 +6523,7 @@
           <a:p>
             <a:r>
               <a:rPr lang="en-US" dirty="0"/>
-              <a:t>Theme &amp; Package</a:t>
+              <a:t>Hello, Atom!</a:t>
             </a:r>
           </a:p>
         </p:txBody>
@@ -6149,7 +6531,7 @@
     </p:spTree>
     <p:extLst>
       <p:ext uri="{BB962C8B-B14F-4D97-AF65-F5344CB8AC3E}">
-        <p14:creationId xmlns:p14="http://schemas.microsoft.com/office/powerpoint/2010/main" val="2249887913"/>
+        <p14:creationId xmlns:p14="http://schemas.microsoft.com/office/powerpoint/2010/main" val="2075325480"/>
       </p:ext>
     </p:extLst>
   </p:cSld>
@@ -6178,10 +6560,10 @@
       </p:grpSpPr>
       <p:sp>
         <p:nvSpPr>
-          <p:cNvPr id="3" name="제목 2">
-            <a:extLst>
-              <a:ext uri="{FF2B5EF4-FFF2-40B4-BE49-F238E27FC236}">
-                <a16:creationId xmlns:a16="http://schemas.microsoft.com/office/drawing/2014/main" id="{A80ABC2B-9589-4634-AA88-0698F87D1D8E}"/>
+          <p:cNvPr id="2" name="제목 1">
+            <a:extLst>
+              <a:ext uri="{FF2B5EF4-FFF2-40B4-BE49-F238E27FC236}">
+                <a16:creationId xmlns:a16="http://schemas.microsoft.com/office/drawing/2014/main" id="{A9117331-2463-4DBA-8985-163850C24118}"/>
               </a:ext>
             </a:extLst>
           </p:cNvPr>
@@ -6192,40 +6574,14 @@
             <p:ph type="title"/>
           </p:nvPr>
         </p:nvSpPr>
-        <p:spPr>
-          <a:xfrm>
-            <a:off x="838200" y="1335537"/>
-            <a:ext cx="10515600" cy="4186925"/>
-          </a:xfrm>
-        </p:spPr>
-        <p:txBody>
-          <a:bodyPr>
-            <a:normAutofit/>
-          </a:bodyPr>
-          <a:lstStyle/>
-          <a:p>
-            <a:pPr>
-              <a:lnSpc>
-                <a:spcPct val="150000"/>
-              </a:lnSpc>
-            </a:pPr>
-            <a:r>
-              <a:rPr lang="en-US" sz="3600" dirty="0"/>
-              <a:t>Atom-Beautify</a:t>
-            </a:r>
-            <a:br>
-              <a:rPr lang="en-US" sz="3600" dirty="0"/>
-            </a:br>
-            <a:r>
-              <a:rPr lang="en-US" sz="3600" dirty="0"/>
-              <a:t>Emmet</a:t>
-            </a:r>
-            <a:br>
-              <a:rPr lang="en-US" sz="3600" dirty="0"/>
-            </a:br>
-            <a:r>
-              <a:rPr lang="en-US" sz="3600" dirty="0"/>
-              <a:t>python-autopep8</a:t>
+        <p:spPr/>
+        <p:txBody>
+          <a:bodyPr/>
+          <a:lstStyle/>
+          <a:p>
+            <a:r>
+              <a:rPr lang="en-US" i="1" dirty="0"/>
+              <a:t>Theme &amp; Package</a:t>
             </a:r>
           </a:p>
         </p:txBody>
@@ -6233,7 +6589,7 @@
     </p:spTree>
     <p:extLst>
       <p:ext uri="{BB962C8B-B14F-4D97-AF65-F5344CB8AC3E}">
-        <p14:creationId xmlns:p14="http://schemas.microsoft.com/office/powerpoint/2010/main" val="3084703816"/>
+        <p14:creationId xmlns:p14="http://schemas.microsoft.com/office/powerpoint/2010/main" val="2249887913"/>
       </p:ext>
     </p:extLst>
   </p:cSld>
@@ -6301,32 +6657,14 @@
               <a:rPr lang="en-US" sz="3600" dirty="0"/>
             </a:br>
             <a:r>
-              <a:rPr lang="en-US" sz="3600" dirty="0">
-                <a:solidFill>
-                  <a:schemeClr val="bg1">
-                    <a:lumMod val="65000"/>
-                  </a:schemeClr>
-                </a:solidFill>
-              </a:rPr>
+              <a:rPr lang="en-US" sz="3600" dirty="0"/>
               <a:t>Emmet</a:t>
             </a:r>
             <a:br>
-              <a:rPr lang="en-US" sz="3600" dirty="0">
-                <a:solidFill>
-                  <a:schemeClr val="bg1">
-                    <a:lumMod val="65000"/>
-                  </a:schemeClr>
-                </a:solidFill>
-              </a:rPr>
+              <a:rPr lang="en-US" sz="3600" dirty="0"/>
             </a:br>
             <a:r>
-              <a:rPr lang="en-US" sz="3600" dirty="0">
-                <a:solidFill>
-                  <a:schemeClr val="bg1">
-                    <a:lumMod val="65000"/>
-                  </a:schemeClr>
-                </a:solidFill>
-              </a:rPr>
+              <a:rPr lang="en-US" sz="3600" dirty="0"/>
               <a:t>python-autopep8</a:t>
             </a:r>
           </a:p>
@@ -6335,7 +6673,7 @@
     </p:spTree>
     <p:extLst>
       <p:ext uri="{BB962C8B-B14F-4D97-AF65-F5344CB8AC3E}">
-        <p14:creationId xmlns:p14="http://schemas.microsoft.com/office/powerpoint/2010/main" val="562259164"/>
+        <p14:creationId xmlns:p14="http://schemas.microsoft.com/office/powerpoint/2010/main" val="3084703816"/>
       </p:ext>
     </p:extLst>
   </p:cSld>
@@ -6396,6 +6734,13 @@
               </a:lnSpc>
             </a:pPr>
             <a:r>
+              <a:rPr lang="en-US" sz="3600" dirty="0"/>
+              <a:t>Atom-Beautify</a:t>
+            </a:r>
+            <a:br>
+              <a:rPr lang="en-US" sz="3600" dirty="0"/>
+            </a:br>
+            <a:r>
               <a:rPr lang="en-US" sz="3600" dirty="0">
                 <a:solidFill>
                   <a:schemeClr val="bg1">
@@ -6403,19 +6748,9 @@
                   </a:schemeClr>
                 </a:solidFill>
               </a:rPr>
-              <a:t>Atom-Beautify</a:t>
+              <a:t>Emmet</a:t>
             </a:r>
             <a:br>
-              <a:rPr lang="en-US" sz="3600" dirty="0"/>
-            </a:br>
-            <a:r>
-              <a:rPr lang="en-US" sz="3600" dirty="0"/>
-              <a:t>Emmet</a:t>
-            </a:r>
-            <a:br>
-              <a:rPr lang="en-US" sz="3600" dirty="0"/>
-            </a:br>
-            <a:r>
               <a:rPr lang="en-US" sz="3600" dirty="0">
                 <a:solidFill>
                   <a:schemeClr val="bg1">
@@ -6423,6 +6758,15 @@
                   </a:schemeClr>
                 </a:solidFill>
               </a:rPr>
+            </a:br>
+            <a:r>
+              <a:rPr lang="en-US" sz="3600" dirty="0">
+                <a:solidFill>
+                  <a:schemeClr val="bg1">
+                    <a:lumMod val="65000"/>
+                  </a:schemeClr>
+                </a:solidFill>
+              </a:rPr>
               <a:t>python-autopep8</a:t>
             </a:r>
           </a:p>
@@ -6431,7 +6775,7 @@
     </p:spTree>
     <p:extLst>
       <p:ext uri="{BB962C8B-B14F-4D97-AF65-F5344CB8AC3E}">
-        <p14:creationId xmlns:p14="http://schemas.microsoft.com/office/powerpoint/2010/main" val="109872740"/>
+        <p14:creationId xmlns:p14="http://schemas.microsoft.com/office/powerpoint/2010/main" val="562259164"/>
       </p:ext>
     </p:extLst>
   </p:cSld>
@@ -6502,6 +6846,16 @@
               <a:t>Atom-Beautify</a:t>
             </a:r>
             <a:br>
+              <a:rPr lang="en-US" sz="3600" dirty="0"/>
+            </a:br>
+            <a:r>
+              <a:rPr lang="en-US" sz="3600" dirty="0"/>
+              <a:t>Emmet</a:t>
+            </a:r>
+            <a:br>
+              <a:rPr lang="en-US" sz="3600" dirty="0"/>
+            </a:br>
+            <a:r>
               <a:rPr lang="en-US" sz="3600" dirty="0">
                 <a:solidFill>
                   <a:schemeClr val="bg1">
@@ -6509,22 +6863,6 @@
                   </a:schemeClr>
                 </a:solidFill>
               </a:rPr>
-            </a:br>
-            <a:r>
-              <a:rPr lang="en-US" sz="3600" dirty="0">
-                <a:solidFill>
-                  <a:schemeClr val="bg1">
-                    <a:lumMod val="65000"/>
-                  </a:schemeClr>
-                </a:solidFill>
-              </a:rPr>
-              <a:t>Emmet</a:t>
-            </a:r>
-            <a:br>
-              <a:rPr lang="en-US" sz="3600" dirty="0"/>
-            </a:br>
-            <a:r>
-              <a:rPr lang="en-US" sz="3600" dirty="0"/>
               <a:t>python-autopep8</a:t>
             </a:r>
           </a:p>
@@ -6533,7 +6871,7 @@
     </p:spTree>
     <p:extLst>
       <p:ext uri="{BB962C8B-B14F-4D97-AF65-F5344CB8AC3E}">
-        <p14:creationId xmlns:p14="http://schemas.microsoft.com/office/powerpoint/2010/main" val="2980009033"/>
+        <p14:creationId xmlns:p14="http://schemas.microsoft.com/office/powerpoint/2010/main" val="109872740"/>
       </p:ext>
     </p:extLst>
   </p:cSld>
@@ -6562,10 +6900,10 @@
       </p:grpSpPr>
       <p:sp>
         <p:nvSpPr>
-          <p:cNvPr id="2" name="제목 1">
-            <a:extLst>
-              <a:ext uri="{FF2B5EF4-FFF2-40B4-BE49-F238E27FC236}">
-                <a16:creationId xmlns:a16="http://schemas.microsoft.com/office/drawing/2014/main" id="{C148AB4C-1C8A-4E78-BA6F-99E94CC44671}"/>
+          <p:cNvPr id="3" name="제목 2">
+            <a:extLst>
+              <a:ext uri="{FF2B5EF4-FFF2-40B4-BE49-F238E27FC236}">
+                <a16:creationId xmlns:a16="http://schemas.microsoft.com/office/drawing/2014/main" id="{A80ABC2B-9589-4634-AA88-0698F87D1D8E}"/>
               </a:ext>
             </a:extLst>
           </p:cNvPr>
@@ -6578,12 +6916,14 @@
         </p:nvSpPr>
         <p:spPr>
           <a:xfrm>
-            <a:off x="838200" y="2414597"/>
-            <a:ext cx="10515600" cy="2028806"/>
+            <a:off x="838200" y="1335537"/>
+            <a:ext cx="10515600" cy="4186925"/>
           </a:xfrm>
         </p:spPr>
         <p:txBody>
-          <a:bodyPr/>
+          <a:bodyPr>
+            <a:normAutofit/>
+          </a:bodyPr>
           <a:lstStyle/>
           <a:p>
             <a:pPr>
@@ -6592,36 +6932,48 @@
               </a:lnSpc>
             </a:pPr>
             <a:r>
-              <a:rPr lang="en-US" dirty="0"/>
-              <a:t>Comment</a:t>
-            </a:r>
-            <a:br>
-              <a:rPr lang="en-US" dirty="0"/>
-            </a:br>
-            <a:r>
-              <a:rPr lang="ko-KR" altLang="en-US" sz="2800" dirty="0">
+              <a:rPr lang="en-US" sz="3600" dirty="0">
                 <a:solidFill>
                   <a:schemeClr val="bg1">
                     <a:lumMod val="65000"/>
                   </a:schemeClr>
                 </a:solidFill>
               </a:rPr>
-              <a:t>주석</a:t>
-            </a:r>
-            <a:endParaRPr lang="en-US" dirty="0">
-              <a:solidFill>
-                <a:schemeClr val="bg1">
-                  <a:lumMod val="65000"/>
-                </a:schemeClr>
-              </a:solidFill>
-            </a:endParaRPr>
+              <a:t>Atom-Beautify</a:t>
+            </a:r>
+            <a:br>
+              <a:rPr lang="en-US" sz="3600" dirty="0">
+                <a:solidFill>
+                  <a:schemeClr val="bg1">
+                    <a:lumMod val="65000"/>
+                  </a:schemeClr>
+                </a:solidFill>
+              </a:rPr>
+            </a:br>
+            <a:r>
+              <a:rPr lang="en-US" sz="3600" dirty="0">
+                <a:solidFill>
+                  <a:schemeClr val="bg1">
+                    <a:lumMod val="65000"/>
+                  </a:schemeClr>
+                </a:solidFill>
+              </a:rPr>
+              <a:t>Emmet</a:t>
+            </a:r>
+            <a:br>
+              <a:rPr lang="en-US" sz="3600" dirty="0"/>
+            </a:br>
+            <a:r>
+              <a:rPr lang="en-US" sz="3600" dirty="0"/>
+              <a:t>python-autopep8</a:t>
+            </a:r>
           </a:p>
         </p:txBody>
       </p:sp>
     </p:spTree>
     <p:extLst>
       <p:ext uri="{BB962C8B-B14F-4D97-AF65-F5344CB8AC3E}">
-        <p14:creationId xmlns:p14="http://schemas.microsoft.com/office/powerpoint/2010/main" val="3169110437"/>
+        <p14:creationId xmlns:p14="http://schemas.microsoft.com/office/powerpoint/2010/main" val="2980009033"/>
       </p:ext>
     </p:extLst>
   </p:cSld>
